--- a/FintechProject1Presentation.pptx
+++ b/FintechProject1Presentation.pptx
@@ -5,26 +5,27 @@
     <p:sldMasterId id="2147483648" r:id="rId1"/>
   </p:sldMasterIdLst>
   <p:notesMasterIdLst>
-    <p:notesMasterId r:id="rId19"/>
+    <p:notesMasterId r:id="rId20"/>
   </p:notesMasterIdLst>
   <p:sldIdLst>
     <p:sldId id="256" r:id="rId2"/>
     <p:sldId id="257" r:id="rId3"/>
     <p:sldId id="271" r:id="rId4"/>
-    <p:sldId id="258" r:id="rId5"/>
-    <p:sldId id="270" r:id="rId6"/>
-    <p:sldId id="268" r:id="rId7"/>
-    <p:sldId id="269" r:id="rId8"/>
-    <p:sldId id="272" r:id="rId9"/>
-    <p:sldId id="273" r:id="rId10"/>
-    <p:sldId id="260" r:id="rId11"/>
-    <p:sldId id="261" r:id="rId12"/>
-    <p:sldId id="264" r:id="rId13"/>
-    <p:sldId id="274" r:id="rId14"/>
-    <p:sldId id="263" r:id="rId15"/>
-    <p:sldId id="275" r:id="rId16"/>
-    <p:sldId id="266" r:id="rId17"/>
-    <p:sldId id="276" r:id="rId18"/>
+    <p:sldId id="277" r:id="rId5"/>
+    <p:sldId id="258" r:id="rId6"/>
+    <p:sldId id="270" r:id="rId7"/>
+    <p:sldId id="268" r:id="rId8"/>
+    <p:sldId id="269" r:id="rId9"/>
+    <p:sldId id="272" r:id="rId10"/>
+    <p:sldId id="273" r:id="rId11"/>
+    <p:sldId id="260" r:id="rId12"/>
+    <p:sldId id="261" r:id="rId13"/>
+    <p:sldId id="264" r:id="rId14"/>
+    <p:sldId id="274" r:id="rId15"/>
+    <p:sldId id="263" r:id="rId16"/>
+    <p:sldId id="275" r:id="rId17"/>
+    <p:sldId id="266" r:id="rId18"/>
+    <p:sldId id="276" r:id="rId19"/>
   </p:sldIdLst>
   <p:sldSz cx="12192000" cy="6858000"/>
   <p:notesSz cx="6858000" cy="9144000"/>
@@ -123,6 +124,11 @@
       </a:defRPr>
     </a:lvl9pPr>
   </p:defaultTextStyle>
+  <p:extLst>
+    <p:ext uri="{EFAFB233-063F-42B5-8137-9DF3F51BA10A}">
+      <p15:sldGuideLst xmlns:p15="http://schemas.microsoft.com/office/powerpoint/2012/main"/>
+    </p:ext>
+  </p:extLst>
 </p:presentation>
 </file>
 
@@ -208,7 +214,7 @@
           <a:p>
             <a:fld id="{F2D0B0FA-6DCA-4A87-AD24-BF6C356B10E2}" type="datetimeFigureOut">
               <a:rPr lang="en-US" smtClean="0"/>
-              <a:t>6/19/2021</a:t>
+              <a:t>6/22/2021</a:t>
             </a:fld>
             <a:endParaRPr lang="en-US"/>
           </a:p>
@@ -586,7 +592,7 @@
           <a:p>
             <a:fld id="{C9EB1241-A6C7-4768-9A9E-7170091155B9}" type="slidenum">
               <a:rPr lang="en-US" smtClean="0"/>
-              <a:t>10</a:t>
+              <a:t>11</a:t>
             </a:fld>
             <a:endParaRPr lang="en-US"/>
           </a:p>
@@ -670,7 +676,7 @@
           <a:p>
             <a:fld id="{C9EB1241-A6C7-4768-9A9E-7170091155B9}" type="slidenum">
               <a:rPr lang="en-US" smtClean="0"/>
-              <a:t>11</a:t>
+              <a:t>12</a:t>
             </a:fld>
             <a:endParaRPr lang="en-US"/>
           </a:p>
@@ -757,7 +763,7 @@
           <a:p>
             <a:fld id="{C9EB1241-A6C7-4768-9A9E-7170091155B9}" type="slidenum">
               <a:rPr lang="en-US" smtClean="0"/>
-              <a:t>12</a:t>
+              <a:t>13</a:t>
             </a:fld>
             <a:endParaRPr lang="en-US"/>
           </a:p>
@@ -841,7 +847,7 @@
           <a:p>
             <a:fld id="{C9EB1241-A6C7-4768-9A9E-7170091155B9}" type="slidenum">
               <a:rPr lang="en-US" smtClean="0"/>
-              <a:t>14</a:t>
+              <a:t>15</a:t>
             </a:fld>
             <a:endParaRPr lang="en-US"/>
           </a:p>
@@ -925,7 +931,7 @@
           <a:p>
             <a:fld id="{C9EB1241-A6C7-4768-9A9E-7170091155B9}" type="slidenum">
               <a:rPr lang="en-US" smtClean="0"/>
-              <a:t>16</a:t>
+              <a:t>17</a:t>
             </a:fld>
             <a:endParaRPr lang="en-US"/>
           </a:p>
@@ -1174,7 +1180,7 @@
             <a:fld id="{B61BEF0D-F0BB-DE4B-95CE-6DB70DBA9567}" type="datetimeFigureOut">
               <a:rPr lang="en-US" dirty="0"/>
               <a:pPr/>
-              <a:t>6/19/2021</a:t>
+              <a:t>6/22/2021</a:t>
             </a:fld>
             <a:endParaRPr lang="en-US" dirty="0"/>
           </a:p>
@@ -1505,7 +1511,7 @@
             <a:fld id="{B61BEF0D-F0BB-DE4B-95CE-6DB70DBA9567}" type="datetimeFigureOut">
               <a:rPr lang="en-US" dirty="0"/>
               <a:pPr/>
-              <a:t>6/19/2021</a:t>
+              <a:t>6/22/2021</a:t>
             </a:fld>
             <a:endParaRPr lang="en-US" dirty="0"/>
           </a:p>
@@ -1780,7 +1786,7 @@
             <a:fld id="{B61BEF0D-F0BB-DE4B-95CE-6DB70DBA9567}" type="datetimeFigureOut">
               <a:rPr lang="en-US" dirty="0"/>
               <a:pPr/>
-              <a:t>6/19/2021</a:t>
+              <a:t>6/22/2021</a:t>
             </a:fld>
             <a:endParaRPr lang="en-US" dirty="0"/>
           </a:p>
@@ -2345,7 +2351,7 @@
             <a:fld id="{B61BEF0D-F0BB-DE4B-95CE-6DB70DBA9567}" type="datetimeFigureOut">
               <a:rPr lang="en-US" dirty="0"/>
               <a:pPr/>
-              <a:t>6/19/2021</a:t>
+              <a:t>6/22/2021</a:t>
             </a:fld>
             <a:endParaRPr lang="en-US" dirty="0"/>
           </a:p>
@@ -2620,7 +2626,7 @@
             <a:fld id="{B61BEF0D-F0BB-DE4B-95CE-6DB70DBA9567}" type="datetimeFigureOut">
               <a:rPr lang="en-US" dirty="0"/>
               <a:pPr/>
-              <a:t>6/19/2021</a:t>
+              <a:t>6/22/2021</a:t>
             </a:fld>
             <a:endParaRPr lang="en-US" dirty="0"/>
           </a:p>
@@ -3179,7 +3185,7 @@
             <a:fld id="{B61BEF0D-F0BB-DE4B-95CE-6DB70DBA9567}" type="datetimeFigureOut">
               <a:rPr lang="en-US" dirty="0"/>
               <a:pPr/>
-              <a:t>6/19/2021</a:t>
+              <a:t>6/22/2021</a:t>
             </a:fld>
             <a:endParaRPr lang="en-US" dirty="0"/>
           </a:p>
@@ -3503,7 +3509,7 @@
             <a:fld id="{B61BEF0D-F0BB-DE4B-95CE-6DB70DBA9567}" type="datetimeFigureOut">
               <a:rPr lang="en-US" dirty="0"/>
               <a:pPr/>
-              <a:t>6/19/2021</a:t>
+              <a:t>6/22/2021</a:t>
             </a:fld>
             <a:endParaRPr lang="en-US" dirty="0"/>
           </a:p>
@@ -3705,7 +3711,7 @@
             <a:fld id="{B61BEF0D-F0BB-DE4B-95CE-6DB70DBA9567}" type="datetimeFigureOut">
               <a:rPr lang="en-US" dirty="0"/>
               <a:pPr/>
-              <a:t>6/19/2021</a:t>
+              <a:t>6/22/2021</a:t>
             </a:fld>
             <a:endParaRPr lang="en-US" dirty="0"/>
           </a:p>
@@ -3912,7 +3918,7 @@
             <a:fld id="{B61BEF0D-F0BB-DE4B-95CE-6DB70DBA9567}" type="datetimeFigureOut">
               <a:rPr lang="en-US" dirty="0"/>
               <a:pPr/>
-              <a:t>6/19/2021</a:t>
+              <a:t>6/22/2021</a:t>
             </a:fld>
             <a:endParaRPr lang="en-US" dirty="0"/>
           </a:p>
@@ -4109,7 +4115,7 @@
             <a:fld id="{B61BEF0D-F0BB-DE4B-95CE-6DB70DBA9567}" type="datetimeFigureOut">
               <a:rPr lang="en-US" dirty="0"/>
               <a:pPr/>
-              <a:t>6/19/2021</a:t>
+              <a:t>6/22/2021</a:t>
             </a:fld>
             <a:endParaRPr lang="en-US" dirty="0"/>
           </a:p>
@@ -4382,7 +4388,7 @@
             <a:fld id="{B61BEF0D-F0BB-DE4B-95CE-6DB70DBA9567}" type="datetimeFigureOut">
               <a:rPr lang="en-US" dirty="0"/>
               <a:pPr/>
-              <a:t>6/19/2021</a:t>
+              <a:t>6/22/2021</a:t>
             </a:fld>
             <a:endParaRPr lang="en-US" dirty="0"/>
           </a:p>
@@ -4645,7 +4651,7 @@
             <a:fld id="{B61BEF0D-F0BB-DE4B-95CE-6DB70DBA9567}" type="datetimeFigureOut">
               <a:rPr lang="en-US" dirty="0"/>
               <a:pPr/>
-              <a:t>6/19/2021</a:t>
+              <a:t>6/22/2021</a:t>
             </a:fld>
             <a:endParaRPr lang="en-US" dirty="0"/>
           </a:p>
@@ -5016,7 +5022,7 @@
             <a:fld id="{B61BEF0D-F0BB-DE4B-95CE-6DB70DBA9567}" type="datetimeFigureOut">
               <a:rPr lang="en-US" dirty="0"/>
               <a:pPr/>
-              <a:t>6/19/2021</a:t>
+              <a:t>6/22/2021</a:t>
             </a:fld>
             <a:endParaRPr lang="en-US" dirty="0"/>
           </a:p>
@@ -5161,7 +5167,7 @@
             <a:fld id="{B61BEF0D-F0BB-DE4B-95CE-6DB70DBA9567}" type="datetimeFigureOut">
               <a:rPr lang="en-US" dirty="0"/>
               <a:pPr/>
-              <a:t>6/19/2021</a:t>
+              <a:t>6/22/2021</a:t>
             </a:fld>
             <a:endParaRPr lang="en-US" dirty="0"/>
           </a:p>
@@ -5283,7 +5289,7 @@
             <a:fld id="{B61BEF0D-F0BB-DE4B-95CE-6DB70DBA9567}" type="datetimeFigureOut">
               <a:rPr lang="en-US" dirty="0"/>
               <a:pPr/>
-              <a:t>6/19/2021</a:t>
+              <a:t>6/22/2021</a:t>
             </a:fld>
             <a:endParaRPr lang="en-US" dirty="0"/>
           </a:p>
@@ -5565,7 +5571,7 @@
             <a:fld id="{B61BEF0D-F0BB-DE4B-95CE-6DB70DBA9567}" type="datetimeFigureOut">
               <a:rPr lang="en-US" dirty="0"/>
               <a:pPr/>
-              <a:t>6/19/2021</a:t>
+              <a:t>6/22/2021</a:t>
             </a:fld>
             <a:endParaRPr lang="en-US" dirty="0"/>
           </a:p>
@@ -5886,7 +5892,7 @@
             <a:fld id="{B61BEF0D-F0BB-DE4B-95CE-6DB70DBA9567}" type="datetimeFigureOut">
               <a:rPr lang="en-US" dirty="0"/>
               <a:pPr/>
-              <a:t>6/19/2021</a:t>
+              <a:t>6/22/2021</a:t>
             </a:fld>
             <a:endParaRPr lang="en-US" dirty="0"/>
           </a:p>
@@ -6097,7 +6103,7 @@
             <a:fld id="{B61BEF0D-F0BB-DE4B-95CE-6DB70DBA9567}" type="datetimeFigureOut">
               <a:rPr lang="en-US" dirty="0"/>
               <a:pPr/>
-              <a:t>6/19/2021</a:t>
+              <a:t>6/22/2021</a:t>
             </a:fld>
             <a:endParaRPr lang="en-US" dirty="0"/>
           </a:p>
@@ -6747,7 +6753,7 @@
           <p:cNvPr id="2" name="Title 1">
             <a:extLst>
               <a:ext uri="{FF2B5EF4-FFF2-40B4-BE49-F238E27FC236}">
-                <a16:creationId xmlns:a16="http://schemas.microsoft.com/office/drawing/2014/main" id="{A0F0E83D-AFD4-4F00-85B1-54BF8EB76378}"/>
+                <a16:creationId xmlns:a16="http://schemas.microsoft.com/office/drawing/2014/main" id="{F1F774B2-CF2E-4373-8A72-6888C1AD42A2}"/>
               </a:ext>
             </a:extLst>
           </p:cNvPr>
@@ -6764,18 +6770,27 @@
           <a:lstStyle/>
           <a:p>
             <a:r>
-              <a:rPr lang="en-US" dirty="0"/>
-              <a:t>Consumption map</a:t>
-            </a:r>
+              <a:rPr lang="en-US" dirty="0" err="1"/>
+              <a:t>Mapbox</a:t>
+            </a:r>
+            <a:r>
+              <a:rPr lang="en-US" dirty="0"/>
+              <a:t> </a:t>
+            </a:r>
+            <a:r>
+              <a:rPr lang="en-US" dirty="0" err="1"/>
+              <a:t>api</a:t>
+            </a:r>
+            <a:endParaRPr lang="en-US" dirty="0"/>
           </a:p>
         </p:txBody>
       </p:sp>
       <p:pic>
         <p:nvPicPr>
-          <p:cNvPr id="5" name="Content Placeholder 4" descr="A picture containing chart&#10;&#10;Description automatically generated">
+          <p:cNvPr id="5" name="Content Placeholder 4" descr="Graphical user interface&#10;&#10;Description automatically generated with medium confidence">
             <a:extLst>
               <a:ext uri="{FF2B5EF4-FFF2-40B4-BE49-F238E27FC236}">
-                <a16:creationId xmlns:a16="http://schemas.microsoft.com/office/drawing/2014/main" id="{6C184CC3-9048-49AC-8213-A9FDD196D018}"/>
+                <a16:creationId xmlns:a16="http://schemas.microsoft.com/office/drawing/2014/main" id="{82ECD86E-4CB9-43C2-AC3C-E1875892D008}"/>
               </a:ext>
             </a:extLst>
           </p:cNvPr>
@@ -6787,22 +6802,22 @@
           </p:nvPr>
         </p:nvPicPr>
         <p:blipFill>
-          <a:blip r:embed="rId3"/>
+          <a:blip r:embed="rId2"/>
           <a:stretch>
             <a:fillRect/>
           </a:stretch>
         </p:blipFill>
         <p:spPr>
           <a:xfrm>
-            <a:off x="685800" y="2188233"/>
-            <a:ext cx="10131425" cy="3556272"/>
+            <a:off x="2148474" y="1786972"/>
+            <a:ext cx="7895052" cy="4183737"/>
           </a:xfrm>
         </p:spPr>
       </p:pic>
     </p:spTree>
     <p:extLst>
       <p:ext uri="{BB962C8B-B14F-4D97-AF65-F5344CB8AC3E}">
-        <p14:creationId xmlns:p14="http://schemas.microsoft.com/office/powerpoint/2010/main" val="2563340511"/>
+        <p14:creationId xmlns:p14="http://schemas.microsoft.com/office/powerpoint/2010/main" val="784808785"/>
       </p:ext>
     </p:extLst>
   </p:cSld>
@@ -6834,7 +6849,7 @@
           <p:cNvPr id="2" name="Title 1">
             <a:extLst>
               <a:ext uri="{FF2B5EF4-FFF2-40B4-BE49-F238E27FC236}">
-                <a16:creationId xmlns:a16="http://schemas.microsoft.com/office/drawing/2014/main" id="{7B857B5F-0EC1-4E1D-B4F4-EA1901D3F748}"/>
+                <a16:creationId xmlns:a16="http://schemas.microsoft.com/office/drawing/2014/main" id="{A0F0E83D-AFD4-4F00-85B1-54BF8EB76378}"/>
               </a:ext>
             </a:extLst>
           </p:cNvPr>
@@ -6845,31 +6860,24 @@
             <p:ph type="title"/>
           </p:nvPr>
         </p:nvSpPr>
-        <p:spPr>
-          <a:xfrm>
-            <a:off x="0" y="0"/>
-            <a:ext cx="6268615" cy="416767"/>
-          </a:xfrm>
-        </p:spPr>
-        <p:txBody>
-          <a:bodyPr>
-            <a:normAutofit fontScale="90000"/>
-          </a:bodyPr>
-          <a:lstStyle/>
-          <a:p>
-            <a:r>
-              <a:rPr lang="en-US" dirty="0"/>
-              <a:t>Liquor license fees by state</a:t>
+        <p:spPr/>
+        <p:txBody>
+          <a:bodyPr/>
+          <a:lstStyle/>
+          <a:p>
+            <a:r>
+              <a:rPr lang="en-US" dirty="0"/>
+              <a:t>Consumption map</a:t>
             </a:r>
           </a:p>
         </p:txBody>
       </p:sp>
       <p:pic>
         <p:nvPicPr>
-          <p:cNvPr id="5" name="Content Placeholder 4" descr="Chart&#10;&#10;Description automatically generated">
+          <p:cNvPr id="5" name="Content Placeholder 4" descr="A picture containing chart&#10;&#10;Description automatically generated">
             <a:extLst>
               <a:ext uri="{FF2B5EF4-FFF2-40B4-BE49-F238E27FC236}">
-                <a16:creationId xmlns:a16="http://schemas.microsoft.com/office/drawing/2014/main" id="{6107F124-249E-47D0-B7FA-F8C542EA29A8}"/>
+                <a16:creationId xmlns:a16="http://schemas.microsoft.com/office/drawing/2014/main" id="{6C184CC3-9048-49AC-8213-A9FDD196D018}"/>
               </a:ext>
             </a:extLst>
           </p:cNvPr>
@@ -6888,110 +6896,15 @@
         </p:blipFill>
         <p:spPr>
           <a:xfrm>
-            <a:off x="0" y="365523"/>
-            <a:ext cx="8192278" cy="2897328"/>
+            <a:off x="685800" y="2188233"/>
+            <a:ext cx="10131425" cy="3556272"/>
           </a:xfrm>
         </p:spPr>
       </p:pic>
-      <p:pic>
-        <p:nvPicPr>
-          <p:cNvPr id="6" name="Content Placeholder 4" descr="A screenshot of a computer&#10;&#10;Description automatically generated with low confidence">
-            <a:extLst>
-              <a:ext uri="{FF2B5EF4-FFF2-40B4-BE49-F238E27FC236}">
-                <a16:creationId xmlns:a16="http://schemas.microsoft.com/office/drawing/2014/main" id="{E0D65657-E60C-407C-86C0-9BBF572A09D2}"/>
-              </a:ext>
-            </a:extLst>
-          </p:cNvPr>
-          <p:cNvPicPr>
-            <a:picLocks noChangeAspect="1"/>
-          </p:cNvPicPr>
-          <p:nvPr/>
-        </p:nvPicPr>
-        <p:blipFill>
-          <a:blip r:embed="rId4"/>
-          <a:stretch>
-            <a:fillRect/>
-          </a:stretch>
-        </p:blipFill>
-        <p:spPr>
-          <a:xfrm>
-            <a:off x="9576764" y="4963644"/>
-            <a:ext cx="2615236" cy="1894356"/>
-          </a:xfrm>
-          <a:prstGeom prst="rect">
-            <a:avLst/>
-          </a:prstGeom>
-        </p:spPr>
-      </p:pic>
-      <p:pic>
-        <p:nvPicPr>
-          <p:cNvPr id="7" name="Content Placeholder 4" descr="Chart, scatter chart&#10;&#10;Description automatically generated">
-            <a:extLst>
-              <a:ext uri="{FF2B5EF4-FFF2-40B4-BE49-F238E27FC236}">
-                <a16:creationId xmlns:a16="http://schemas.microsoft.com/office/drawing/2014/main" id="{3F67F65C-AA4D-4A54-8FAA-CC8DE85D9399}"/>
-              </a:ext>
-            </a:extLst>
-          </p:cNvPr>
-          <p:cNvPicPr>
-            <a:picLocks noChangeAspect="1"/>
-          </p:cNvPicPr>
-          <p:nvPr/>
-        </p:nvPicPr>
-        <p:blipFill>
-          <a:blip r:embed="rId5"/>
-          <a:stretch>
-            <a:fillRect/>
-          </a:stretch>
-        </p:blipFill>
-        <p:spPr>
-          <a:xfrm>
-            <a:off x="0" y="3766462"/>
-            <a:ext cx="8192278" cy="3122398"/>
-          </a:xfrm>
-          <a:prstGeom prst="rect">
-            <a:avLst/>
-          </a:prstGeom>
-        </p:spPr>
-      </p:pic>
-      <p:sp>
-        <p:nvSpPr>
-          <p:cNvPr id="8" name="TextBox 7">
-            <a:extLst>
-              <a:ext uri="{FF2B5EF4-FFF2-40B4-BE49-F238E27FC236}">
-                <a16:creationId xmlns:a16="http://schemas.microsoft.com/office/drawing/2014/main" id="{16D4C06E-7D59-43C1-9492-A9A5CB89D77D}"/>
-              </a:ext>
-            </a:extLst>
-          </p:cNvPr>
-          <p:cNvSpPr txBox="1"/>
-          <p:nvPr/>
-        </p:nvSpPr>
-        <p:spPr>
-          <a:xfrm>
-            <a:off x="0" y="3410484"/>
-            <a:ext cx="4965077" cy="369332"/>
-          </a:xfrm>
-          <a:prstGeom prst="rect">
-            <a:avLst/>
-          </a:prstGeom>
-          <a:noFill/>
-        </p:spPr>
-        <p:txBody>
-          <a:bodyPr wrap="none" rtlCol="0">
-            <a:spAutoFit/>
-          </a:bodyPr>
-          <a:lstStyle/>
-          <a:p>
-            <a:r>
-              <a:rPr lang="en-US" dirty="0"/>
-              <a:t>CORRELATION BETWEEN FEES AND CONSUMPTION</a:t>
-            </a:r>
-          </a:p>
-        </p:txBody>
-      </p:sp>
     </p:spTree>
     <p:extLst>
       <p:ext uri="{BB962C8B-B14F-4D97-AF65-F5344CB8AC3E}">
-        <p14:creationId xmlns:p14="http://schemas.microsoft.com/office/powerpoint/2010/main" val="568894377"/>
+        <p14:creationId xmlns:p14="http://schemas.microsoft.com/office/powerpoint/2010/main" val="2563340511"/>
       </p:ext>
     </p:extLst>
   </p:cSld>
@@ -7023,7 +6936,7 @@
           <p:cNvPr id="2" name="Title 1">
             <a:extLst>
               <a:ext uri="{FF2B5EF4-FFF2-40B4-BE49-F238E27FC236}">
-                <a16:creationId xmlns:a16="http://schemas.microsoft.com/office/drawing/2014/main" id="{28213AC5-9B47-4B2F-8F92-3A64A502EF1F}"/>
+                <a16:creationId xmlns:a16="http://schemas.microsoft.com/office/drawing/2014/main" id="{7B857B5F-0EC1-4E1D-B4F4-EA1901D3F748}"/>
               </a:ext>
             </a:extLst>
           </p:cNvPr>
@@ -7036,29 +6949,29 @@
         </p:nvSpPr>
         <p:spPr>
           <a:xfrm>
-            <a:off x="0" y="3712886"/>
-            <a:ext cx="3446106" cy="752669"/>
+            <a:off x="0" y="0"/>
+            <a:ext cx="6268615" cy="416767"/>
           </a:xfrm>
         </p:spPr>
         <p:txBody>
           <a:bodyPr>
-            <a:normAutofit/>
+            <a:normAutofit fontScale="90000"/>
           </a:bodyPr>
           <a:lstStyle/>
           <a:p>
             <a:r>
-              <a:rPr lang="en-US" sz="2400" dirty="0"/>
-              <a:t>Unemployment</a:t>
+              <a:rPr lang="en-US" dirty="0"/>
+              <a:t>Liquor license fees by state</a:t>
             </a:r>
           </a:p>
         </p:txBody>
       </p:sp>
       <p:pic>
         <p:nvPicPr>
-          <p:cNvPr id="5" name="Content Placeholder 4" descr="Chart, line chart&#10;&#10;Description automatically generated">
+          <p:cNvPr id="5" name="Content Placeholder 4" descr="Chart&#10;&#10;Description automatically generated">
             <a:extLst>
               <a:ext uri="{FF2B5EF4-FFF2-40B4-BE49-F238E27FC236}">
-                <a16:creationId xmlns:a16="http://schemas.microsoft.com/office/drawing/2014/main" id="{07CE2589-F6C7-423B-B2F5-DEA2E6D84B13}"/>
+                <a16:creationId xmlns:a16="http://schemas.microsoft.com/office/drawing/2014/main" id="{6107F124-249E-47D0-B7FA-F8C542EA29A8}"/>
               </a:ext>
             </a:extLst>
           </p:cNvPr>
@@ -7077,129 +6990,17 @@
         </p:blipFill>
         <p:spPr>
           <a:xfrm>
-            <a:off x="0" y="4298396"/>
-            <a:ext cx="5972407" cy="2559603"/>
+            <a:off x="0" y="365523"/>
+            <a:ext cx="8192278" cy="2897328"/>
           </a:xfrm>
         </p:spPr>
       </p:pic>
-      <p:sp>
-        <p:nvSpPr>
-          <p:cNvPr id="6" name="Title 1">
+      <p:pic>
+        <p:nvPicPr>
+          <p:cNvPr id="6" name="Content Placeholder 4" descr="A screenshot of a computer&#10;&#10;Description automatically generated with low confidence">
             <a:extLst>
               <a:ext uri="{FF2B5EF4-FFF2-40B4-BE49-F238E27FC236}">
-                <a16:creationId xmlns:a16="http://schemas.microsoft.com/office/drawing/2014/main" id="{9A8903B6-09D7-4980-AA3E-4BBDF70FFED6}"/>
-              </a:ext>
-            </a:extLst>
-          </p:cNvPr>
-          <p:cNvSpPr txBox="1">
-            <a:spLocks/>
-          </p:cNvSpPr>
-          <p:nvPr/>
-        </p:nvSpPr>
-        <p:spPr>
-          <a:xfrm>
-            <a:off x="7258633" y="2065525"/>
-            <a:ext cx="5096140" cy="590047"/>
-          </a:xfrm>
-          <a:prstGeom prst="rect">
-            <a:avLst/>
-          </a:prstGeom>
-          <a:effectLst/>
-        </p:spPr>
-        <p:txBody>
-          <a:bodyPr vert="horz" lIns="91440" tIns="45720" rIns="91440" bIns="45720" rtlCol="0" anchor="ctr">
-            <a:normAutofit fontScale="62500" lnSpcReduction="20000"/>
-          </a:bodyPr>
-          <a:lstStyle>
-            <a:lvl1pPr algn="l" defTabSz="457200" rtl="0" eaLnBrk="1" latinLnBrk="0" hangingPunct="1">
-              <a:spcBef>
-                <a:spcPct val="0"/>
-              </a:spcBef>
-              <a:buNone/>
-              <a:defRPr sz="3600" kern="1200" cap="all">
-                <a:ln w="3175" cmpd="sng">
-                  <a:noFill/>
-                </a:ln>
-                <a:solidFill>
-                  <a:schemeClr val="tx1"/>
-                </a:solidFill>
-                <a:effectLst/>
-                <a:latin typeface="+mj-lt"/>
-                <a:ea typeface="+mj-ea"/>
-                <a:cs typeface="+mj-cs"/>
-              </a:defRPr>
-            </a:lvl1pPr>
-            <a:lvl2pPr eaLnBrk="1" hangingPunct="1">
-              <a:defRPr>
-                <a:solidFill>
-                  <a:schemeClr val="tx2"/>
-                </a:solidFill>
-              </a:defRPr>
-            </a:lvl2pPr>
-            <a:lvl3pPr eaLnBrk="1" hangingPunct="1">
-              <a:defRPr>
-                <a:solidFill>
-                  <a:schemeClr val="tx2"/>
-                </a:solidFill>
-              </a:defRPr>
-            </a:lvl3pPr>
-            <a:lvl4pPr eaLnBrk="1" hangingPunct="1">
-              <a:defRPr>
-                <a:solidFill>
-                  <a:schemeClr val="tx2"/>
-                </a:solidFill>
-              </a:defRPr>
-            </a:lvl4pPr>
-            <a:lvl5pPr eaLnBrk="1" hangingPunct="1">
-              <a:defRPr>
-                <a:solidFill>
-                  <a:schemeClr val="tx2"/>
-                </a:solidFill>
-              </a:defRPr>
-            </a:lvl5pPr>
-            <a:lvl6pPr eaLnBrk="1" hangingPunct="1">
-              <a:defRPr>
-                <a:solidFill>
-                  <a:schemeClr val="tx2"/>
-                </a:solidFill>
-              </a:defRPr>
-            </a:lvl6pPr>
-            <a:lvl7pPr eaLnBrk="1" hangingPunct="1">
-              <a:defRPr>
-                <a:solidFill>
-                  <a:schemeClr val="tx2"/>
-                </a:solidFill>
-              </a:defRPr>
-            </a:lvl7pPr>
-            <a:lvl8pPr eaLnBrk="1" hangingPunct="1">
-              <a:defRPr>
-                <a:solidFill>
-                  <a:schemeClr val="tx2"/>
-                </a:solidFill>
-              </a:defRPr>
-            </a:lvl8pPr>
-            <a:lvl9pPr eaLnBrk="1" hangingPunct="1">
-              <a:defRPr>
-                <a:solidFill>
-                  <a:schemeClr val="tx2"/>
-                </a:solidFill>
-              </a:defRPr>
-            </a:lvl9pPr>
-          </a:lstStyle>
-          <a:p>
-            <a:r>
-              <a:rPr lang="en-US" dirty="0"/>
-              <a:t>Personal Income vs. Consumption</a:t>
-            </a:r>
-          </a:p>
-        </p:txBody>
-      </p:sp>
-      <p:pic>
-        <p:nvPicPr>
-          <p:cNvPr id="7" name="Content Placeholder 4" descr="Chart, line chart&#10;&#10;Description automatically generated">
-            <a:extLst>
-              <a:ext uri="{FF2B5EF4-FFF2-40B4-BE49-F238E27FC236}">
-                <a16:creationId xmlns:a16="http://schemas.microsoft.com/office/drawing/2014/main" id="{CF983DB4-58EC-4B76-85FC-EC2534BCBBE6}"/>
+                <a16:creationId xmlns:a16="http://schemas.microsoft.com/office/drawing/2014/main" id="{E0D65657-E60C-407C-86C0-9BBF572A09D2}"/>
               </a:ext>
             </a:extLst>
           </p:cNvPr>
@@ -7216,167 +7017,20 @@
         </p:blipFill>
         <p:spPr>
           <a:xfrm>
-            <a:off x="7095860" y="2506920"/>
-            <a:ext cx="5096140" cy="2559603"/>
+            <a:off x="9576764" y="4963644"/>
+            <a:ext cx="2615236" cy="1894356"/>
           </a:xfrm>
           <a:prstGeom prst="rect">
             <a:avLst/>
           </a:prstGeom>
         </p:spPr>
       </p:pic>
-      <p:sp>
-        <p:nvSpPr>
-          <p:cNvPr id="8" name="TextBox 7">
+      <p:pic>
+        <p:nvPicPr>
+          <p:cNvPr id="7" name="Content Placeholder 4" descr="Chart, scatter chart&#10;&#10;Description automatically generated">
             <a:extLst>
               <a:ext uri="{FF2B5EF4-FFF2-40B4-BE49-F238E27FC236}">
-                <a16:creationId xmlns:a16="http://schemas.microsoft.com/office/drawing/2014/main" id="{1CC83D06-B5FB-4C3D-B1CA-540EFC2009BB}"/>
-              </a:ext>
-            </a:extLst>
-          </p:cNvPr>
-          <p:cNvSpPr txBox="1"/>
-          <p:nvPr/>
-        </p:nvSpPr>
-        <p:spPr>
-          <a:xfrm>
-            <a:off x="5025345" y="3392868"/>
-            <a:ext cx="1262461" cy="369332"/>
-          </a:xfrm>
-          <a:prstGeom prst="rect">
-            <a:avLst/>
-          </a:prstGeom>
-          <a:noFill/>
-        </p:spPr>
-        <p:txBody>
-          <a:bodyPr wrap="square" rtlCol="0">
-            <a:spAutoFit/>
-          </a:bodyPr>
-          <a:lstStyle/>
-          <a:p>
-            <a:r>
-              <a:rPr lang="en-US" dirty="0"/>
-              <a:t>Alabama</a:t>
-            </a:r>
-          </a:p>
-        </p:txBody>
-      </p:sp>
-      <p:sp>
-        <p:nvSpPr>
-          <p:cNvPr id="9" name="Title 1">
-            <a:extLst>
-              <a:ext uri="{FF2B5EF4-FFF2-40B4-BE49-F238E27FC236}">
-                <a16:creationId xmlns:a16="http://schemas.microsoft.com/office/drawing/2014/main" id="{C540FA19-7845-4026-B6C2-F1912FC363FE}"/>
-              </a:ext>
-            </a:extLst>
-          </p:cNvPr>
-          <p:cNvSpPr txBox="1">
-            <a:spLocks/>
-          </p:cNvSpPr>
-          <p:nvPr/>
-        </p:nvSpPr>
-        <p:spPr>
-          <a:xfrm>
-            <a:off x="-105747" y="514470"/>
-            <a:ext cx="10131425" cy="369332"/>
-          </a:xfrm>
-          <a:prstGeom prst="rect">
-            <a:avLst/>
-          </a:prstGeom>
-          <a:effectLst/>
-        </p:spPr>
-        <p:txBody>
-          <a:bodyPr vert="horz" lIns="91440" tIns="45720" rIns="91440" bIns="45720" rtlCol="0" anchor="ctr">
-            <a:noAutofit/>
-          </a:bodyPr>
-          <a:lstStyle>
-            <a:lvl1pPr algn="l" defTabSz="457200" rtl="0" eaLnBrk="1" latinLnBrk="0" hangingPunct="1">
-              <a:spcBef>
-                <a:spcPct val="0"/>
-              </a:spcBef>
-              <a:buNone/>
-              <a:defRPr sz="3600" kern="1200" cap="all">
-                <a:ln w="3175" cmpd="sng">
-                  <a:noFill/>
-                </a:ln>
-                <a:solidFill>
-                  <a:schemeClr val="tx1"/>
-                </a:solidFill>
-                <a:effectLst/>
-                <a:latin typeface="+mj-lt"/>
-                <a:ea typeface="+mj-ea"/>
-                <a:cs typeface="+mj-cs"/>
-              </a:defRPr>
-            </a:lvl1pPr>
-            <a:lvl2pPr eaLnBrk="1" hangingPunct="1">
-              <a:defRPr>
-                <a:solidFill>
-                  <a:schemeClr val="tx2"/>
-                </a:solidFill>
-              </a:defRPr>
-            </a:lvl2pPr>
-            <a:lvl3pPr eaLnBrk="1" hangingPunct="1">
-              <a:defRPr>
-                <a:solidFill>
-                  <a:schemeClr val="tx2"/>
-                </a:solidFill>
-              </a:defRPr>
-            </a:lvl3pPr>
-            <a:lvl4pPr eaLnBrk="1" hangingPunct="1">
-              <a:defRPr>
-                <a:solidFill>
-                  <a:schemeClr val="tx2"/>
-                </a:solidFill>
-              </a:defRPr>
-            </a:lvl4pPr>
-            <a:lvl5pPr eaLnBrk="1" hangingPunct="1">
-              <a:defRPr>
-                <a:solidFill>
-                  <a:schemeClr val="tx2"/>
-                </a:solidFill>
-              </a:defRPr>
-            </a:lvl5pPr>
-            <a:lvl6pPr eaLnBrk="1" hangingPunct="1">
-              <a:defRPr>
-                <a:solidFill>
-                  <a:schemeClr val="tx2"/>
-                </a:solidFill>
-              </a:defRPr>
-            </a:lvl6pPr>
-            <a:lvl7pPr eaLnBrk="1" hangingPunct="1">
-              <a:defRPr>
-                <a:solidFill>
-                  <a:schemeClr val="tx2"/>
-                </a:solidFill>
-              </a:defRPr>
-            </a:lvl7pPr>
-            <a:lvl8pPr eaLnBrk="1" hangingPunct="1">
-              <a:defRPr>
-                <a:solidFill>
-                  <a:schemeClr val="tx2"/>
-                </a:solidFill>
-              </a:defRPr>
-            </a:lvl8pPr>
-            <a:lvl9pPr eaLnBrk="1" hangingPunct="1">
-              <a:defRPr>
-                <a:solidFill>
-                  <a:schemeClr val="tx2"/>
-                </a:solidFill>
-              </a:defRPr>
-            </a:lvl9pPr>
-          </a:lstStyle>
-          <a:p>
-            <a:r>
-              <a:rPr lang="en-US" sz="2400" dirty="0"/>
-              <a:t>Yearly Drinks per Capita</a:t>
-            </a:r>
-          </a:p>
-        </p:txBody>
-      </p:sp>
-      <p:pic>
-        <p:nvPicPr>
-          <p:cNvPr id="15" name="Picture 14" descr="Chart, line chart&#10;&#10;Description automatically generated">
-            <a:extLst>
-              <a:ext uri="{FF2B5EF4-FFF2-40B4-BE49-F238E27FC236}">
-                <a16:creationId xmlns:a16="http://schemas.microsoft.com/office/drawing/2014/main" id="{93E49FFA-246E-4D38-9BA2-0D90E1D238D5}"/>
+                <a16:creationId xmlns:a16="http://schemas.microsoft.com/office/drawing/2014/main" id="{3F67F65C-AA4D-4A54-8FAA-CC8DE85D9399}"/>
               </a:ext>
             </a:extLst>
           </p:cNvPr>
@@ -7393,8 +7047,8 @@
         </p:blipFill>
         <p:spPr>
           <a:xfrm>
-            <a:off x="0" y="884306"/>
-            <a:ext cx="5952502" cy="2557875"/>
+            <a:off x="0" y="3766462"/>
+            <a:ext cx="8192278" cy="3122398"/>
           </a:xfrm>
           <a:prstGeom prst="rect">
             <a:avLst/>
@@ -7403,10 +7057,10 @@
       </p:pic>
       <p:sp>
         <p:nvSpPr>
-          <p:cNvPr id="16" name="TextBox 15">
+          <p:cNvPr id="8" name="TextBox 7">
             <a:extLst>
               <a:ext uri="{FF2B5EF4-FFF2-40B4-BE49-F238E27FC236}">
-                <a16:creationId xmlns:a16="http://schemas.microsoft.com/office/drawing/2014/main" id="{A59FC85C-A356-4DA6-BB46-A8125D7A30EF}"/>
+                <a16:creationId xmlns:a16="http://schemas.microsoft.com/office/drawing/2014/main" id="{16D4C06E-7D59-43C1-9492-A9A5CB89D77D}"/>
               </a:ext>
             </a:extLst>
           </p:cNvPr>
@@ -7415,8 +7069,8 @@
         </p:nvSpPr>
         <p:spPr>
           <a:xfrm>
-            <a:off x="11255084" y="5066523"/>
-            <a:ext cx="1262461" cy="369332"/>
+            <a:off x="0" y="3410484"/>
+            <a:ext cx="4965077" cy="369332"/>
           </a:xfrm>
           <a:prstGeom prst="rect">
             <a:avLst/>
@@ -7424,14 +7078,14 @@
           <a:noFill/>
         </p:spPr>
         <p:txBody>
-          <a:bodyPr wrap="square" rtlCol="0">
+          <a:bodyPr wrap="none" rtlCol="0">
             <a:spAutoFit/>
           </a:bodyPr>
           <a:lstStyle/>
           <a:p>
             <a:r>
               <a:rPr lang="en-US" dirty="0"/>
-              <a:t>Alabama</a:t>
+              <a:t>CORRELATION BETWEEN FEES AND CONSUMPTION</a:t>
             </a:r>
           </a:p>
         </p:txBody>
@@ -7439,7 +7093,7 @@
     </p:spTree>
     <p:extLst>
       <p:ext uri="{BB962C8B-B14F-4D97-AF65-F5344CB8AC3E}">
-        <p14:creationId xmlns:p14="http://schemas.microsoft.com/office/powerpoint/2010/main" val="211996634"/>
+        <p14:creationId xmlns:p14="http://schemas.microsoft.com/office/powerpoint/2010/main" val="568894377"/>
       </p:ext>
     </p:extLst>
   </p:cSld>
@@ -7471,7 +7125,7 @@
           <p:cNvPr id="2" name="Title 1">
             <a:extLst>
               <a:ext uri="{FF2B5EF4-FFF2-40B4-BE49-F238E27FC236}">
-                <a16:creationId xmlns:a16="http://schemas.microsoft.com/office/drawing/2014/main" id="{C4035AB7-7B6D-4A79-9C4C-AC908A34CA57}"/>
+                <a16:creationId xmlns:a16="http://schemas.microsoft.com/office/drawing/2014/main" id="{28213AC5-9B47-4B2F-8F92-3A64A502EF1F}"/>
               </a:ext>
             </a:extLst>
           </p:cNvPr>
@@ -7482,24 +7136,31 @@
             <p:ph type="title"/>
           </p:nvPr>
         </p:nvSpPr>
-        <p:spPr/>
-        <p:txBody>
-          <a:bodyPr/>
-          <a:lstStyle/>
-          <a:p>
-            <a:r>
-              <a:rPr lang="en-US" dirty="0"/>
-              <a:t>Conclusions I</a:t>
+        <p:spPr>
+          <a:xfrm>
+            <a:off x="0" y="3712886"/>
+            <a:ext cx="3446106" cy="752669"/>
+          </a:xfrm>
+        </p:spPr>
+        <p:txBody>
+          <a:bodyPr>
+            <a:normAutofit/>
+          </a:bodyPr>
+          <a:lstStyle/>
+          <a:p>
+            <a:r>
+              <a:rPr lang="en-US" sz="2400" dirty="0"/>
+              <a:t>Unemployment</a:t>
             </a:r>
           </a:p>
         </p:txBody>
       </p:sp>
       <p:pic>
         <p:nvPicPr>
-          <p:cNvPr id="4" name="Content Placeholder 4" descr="Chart, scatter chart&#10;&#10;Description automatically generated">
+          <p:cNvPr id="5" name="Content Placeholder 4" descr="Chart, line chart&#10;&#10;Description automatically generated">
             <a:extLst>
               <a:ext uri="{FF2B5EF4-FFF2-40B4-BE49-F238E27FC236}">
-                <a16:creationId xmlns:a16="http://schemas.microsoft.com/office/drawing/2014/main" id="{1BB510E0-FBA2-43A5-A8C0-1C628762C516}"/>
+                <a16:creationId xmlns:a16="http://schemas.microsoft.com/office/drawing/2014/main" id="{07CE2589-F6C7-423B-B2F5-DEA2E6D84B13}"/>
               </a:ext>
             </a:extLst>
           </p:cNvPr>
@@ -7511,25 +7172,376 @@
           </p:nvPr>
         </p:nvPicPr>
         <p:blipFill>
-          <a:blip r:embed="rId2"/>
+          <a:blip r:embed="rId3"/>
           <a:stretch>
             <a:fillRect/>
           </a:stretch>
         </p:blipFill>
         <p:spPr>
           <a:xfrm>
-            <a:off x="685801" y="2065867"/>
-            <a:ext cx="11203681" cy="3932649"/>
+            <a:off x="0" y="4298396"/>
+            <a:ext cx="5972407" cy="2559603"/>
+          </a:xfrm>
+        </p:spPr>
+      </p:pic>
+      <p:sp>
+        <p:nvSpPr>
+          <p:cNvPr id="6" name="Title 1">
+            <a:extLst>
+              <a:ext uri="{FF2B5EF4-FFF2-40B4-BE49-F238E27FC236}">
+                <a16:creationId xmlns:a16="http://schemas.microsoft.com/office/drawing/2014/main" id="{9A8903B6-09D7-4980-AA3E-4BBDF70FFED6}"/>
+              </a:ext>
+            </a:extLst>
+          </p:cNvPr>
+          <p:cNvSpPr txBox="1">
+            <a:spLocks/>
+          </p:cNvSpPr>
+          <p:nvPr/>
+        </p:nvSpPr>
+        <p:spPr>
+          <a:xfrm>
+            <a:off x="7258633" y="2065525"/>
+            <a:ext cx="5096140" cy="590047"/>
           </a:xfrm>
           <a:prstGeom prst="rect">
             <a:avLst/>
           </a:prstGeom>
+          <a:effectLst/>
+        </p:spPr>
+        <p:txBody>
+          <a:bodyPr vert="horz" lIns="91440" tIns="45720" rIns="91440" bIns="45720" rtlCol="0" anchor="ctr">
+            <a:normAutofit fontScale="62500" lnSpcReduction="20000"/>
+          </a:bodyPr>
+          <a:lstStyle>
+            <a:lvl1pPr algn="l" defTabSz="457200" rtl="0" eaLnBrk="1" latinLnBrk="0" hangingPunct="1">
+              <a:spcBef>
+                <a:spcPct val="0"/>
+              </a:spcBef>
+              <a:buNone/>
+              <a:defRPr sz="3600" kern="1200" cap="all">
+                <a:ln w="3175" cmpd="sng">
+                  <a:noFill/>
+                </a:ln>
+                <a:solidFill>
+                  <a:schemeClr val="tx1"/>
+                </a:solidFill>
+                <a:effectLst/>
+                <a:latin typeface="+mj-lt"/>
+                <a:ea typeface="+mj-ea"/>
+                <a:cs typeface="+mj-cs"/>
+              </a:defRPr>
+            </a:lvl1pPr>
+            <a:lvl2pPr eaLnBrk="1" hangingPunct="1">
+              <a:defRPr>
+                <a:solidFill>
+                  <a:schemeClr val="tx2"/>
+                </a:solidFill>
+              </a:defRPr>
+            </a:lvl2pPr>
+            <a:lvl3pPr eaLnBrk="1" hangingPunct="1">
+              <a:defRPr>
+                <a:solidFill>
+                  <a:schemeClr val="tx2"/>
+                </a:solidFill>
+              </a:defRPr>
+            </a:lvl3pPr>
+            <a:lvl4pPr eaLnBrk="1" hangingPunct="1">
+              <a:defRPr>
+                <a:solidFill>
+                  <a:schemeClr val="tx2"/>
+                </a:solidFill>
+              </a:defRPr>
+            </a:lvl4pPr>
+            <a:lvl5pPr eaLnBrk="1" hangingPunct="1">
+              <a:defRPr>
+                <a:solidFill>
+                  <a:schemeClr val="tx2"/>
+                </a:solidFill>
+              </a:defRPr>
+            </a:lvl5pPr>
+            <a:lvl6pPr eaLnBrk="1" hangingPunct="1">
+              <a:defRPr>
+                <a:solidFill>
+                  <a:schemeClr val="tx2"/>
+                </a:solidFill>
+              </a:defRPr>
+            </a:lvl6pPr>
+            <a:lvl7pPr eaLnBrk="1" hangingPunct="1">
+              <a:defRPr>
+                <a:solidFill>
+                  <a:schemeClr val="tx2"/>
+                </a:solidFill>
+              </a:defRPr>
+            </a:lvl7pPr>
+            <a:lvl8pPr eaLnBrk="1" hangingPunct="1">
+              <a:defRPr>
+                <a:solidFill>
+                  <a:schemeClr val="tx2"/>
+                </a:solidFill>
+              </a:defRPr>
+            </a:lvl8pPr>
+            <a:lvl9pPr eaLnBrk="1" hangingPunct="1">
+              <a:defRPr>
+                <a:solidFill>
+                  <a:schemeClr val="tx2"/>
+                </a:solidFill>
+              </a:defRPr>
+            </a:lvl9pPr>
+          </a:lstStyle>
+          <a:p>
+            <a:r>
+              <a:rPr lang="en-US" dirty="0"/>
+              <a:t>Personal Income vs. Consumption</a:t>
+            </a:r>
+          </a:p>
+        </p:txBody>
+      </p:sp>
+      <p:pic>
+        <p:nvPicPr>
+          <p:cNvPr id="7" name="Content Placeholder 4" descr="Chart, line chart&#10;&#10;Description automatically generated">
+            <a:extLst>
+              <a:ext uri="{FF2B5EF4-FFF2-40B4-BE49-F238E27FC236}">
+                <a16:creationId xmlns:a16="http://schemas.microsoft.com/office/drawing/2014/main" id="{CF983DB4-58EC-4B76-85FC-EC2534BCBBE6}"/>
+              </a:ext>
+            </a:extLst>
+          </p:cNvPr>
+          <p:cNvPicPr>
+            <a:picLocks noChangeAspect="1"/>
+          </p:cNvPicPr>
+          <p:nvPr/>
+        </p:nvPicPr>
+        <p:blipFill>
+          <a:blip r:embed="rId4"/>
+          <a:stretch>
+            <a:fillRect/>
+          </a:stretch>
+        </p:blipFill>
+        <p:spPr>
+          <a:xfrm>
+            <a:off x="7095860" y="2506920"/>
+            <a:ext cx="5096140" cy="2559603"/>
+          </a:xfrm>
+          <a:prstGeom prst="rect">
+            <a:avLst/>
+          </a:prstGeom>
         </p:spPr>
       </p:pic>
+      <p:sp>
+        <p:nvSpPr>
+          <p:cNvPr id="8" name="TextBox 7">
+            <a:extLst>
+              <a:ext uri="{FF2B5EF4-FFF2-40B4-BE49-F238E27FC236}">
+                <a16:creationId xmlns:a16="http://schemas.microsoft.com/office/drawing/2014/main" id="{1CC83D06-B5FB-4C3D-B1CA-540EFC2009BB}"/>
+              </a:ext>
+            </a:extLst>
+          </p:cNvPr>
+          <p:cNvSpPr txBox="1"/>
+          <p:nvPr/>
+        </p:nvSpPr>
+        <p:spPr>
+          <a:xfrm>
+            <a:off x="5025345" y="3392868"/>
+            <a:ext cx="1262461" cy="369332"/>
+          </a:xfrm>
+          <a:prstGeom prst="rect">
+            <a:avLst/>
+          </a:prstGeom>
+          <a:noFill/>
+        </p:spPr>
+        <p:txBody>
+          <a:bodyPr wrap="square" rtlCol="0">
+            <a:spAutoFit/>
+          </a:bodyPr>
+          <a:lstStyle/>
+          <a:p>
+            <a:r>
+              <a:rPr lang="en-US" dirty="0"/>
+              <a:t>Alabama</a:t>
+            </a:r>
+          </a:p>
+        </p:txBody>
+      </p:sp>
+      <p:sp>
+        <p:nvSpPr>
+          <p:cNvPr id="9" name="Title 1">
+            <a:extLst>
+              <a:ext uri="{FF2B5EF4-FFF2-40B4-BE49-F238E27FC236}">
+                <a16:creationId xmlns:a16="http://schemas.microsoft.com/office/drawing/2014/main" id="{C540FA19-7845-4026-B6C2-F1912FC363FE}"/>
+              </a:ext>
+            </a:extLst>
+          </p:cNvPr>
+          <p:cNvSpPr txBox="1">
+            <a:spLocks/>
+          </p:cNvSpPr>
+          <p:nvPr/>
+        </p:nvSpPr>
+        <p:spPr>
+          <a:xfrm>
+            <a:off x="-105747" y="514470"/>
+            <a:ext cx="10131425" cy="369332"/>
+          </a:xfrm>
+          <a:prstGeom prst="rect">
+            <a:avLst/>
+          </a:prstGeom>
+          <a:effectLst/>
+        </p:spPr>
+        <p:txBody>
+          <a:bodyPr vert="horz" lIns="91440" tIns="45720" rIns="91440" bIns="45720" rtlCol="0" anchor="ctr">
+            <a:noAutofit/>
+          </a:bodyPr>
+          <a:lstStyle>
+            <a:lvl1pPr algn="l" defTabSz="457200" rtl="0" eaLnBrk="1" latinLnBrk="0" hangingPunct="1">
+              <a:spcBef>
+                <a:spcPct val="0"/>
+              </a:spcBef>
+              <a:buNone/>
+              <a:defRPr sz="3600" kern="1200" cap="all">
+                <a:ln w="3175" cmpd="sng">
+                  <a:noFill/>
+                </a:ln>
+                <a:solidFill>
+                  <a:schemeClr val="tx1"/>
+                </a:solidFill>
+                <a:effectLst/>
+                <a:latin typeface="+mj-lt"/>
+                <a:ea typeface="+mj-ea"/>
+                <a:cs typeface="+mj-cs"/>
+              </a:defRPr>
+            </a:lvl1pPr>
+            <a:lvl2pPr eaLnBrk="1" hangingPunct="1">
+              <a:defRPr>
+                <a:solidFill>
+                  <a:schemeClr val="tx2"/>
+                </a:solidFill>
+              </a:defRPr>
+            </a:lvl2pPr>
+            <a:lvl3pPr eaLnBrk="1" hangingPunct="1">
+              <a:defRPr>
+                <a:solidFill>
+                  <a:schemeClr val="tx2"/>
+                </a:solidFill>
+              </a:defRPr>
+            </a:lvl3pPr>
+            <a:lvl4pPr eaLnBrk="1" hangingPunct="1">
+              <a:defRPr>
+                <a:solidFill>
+                  <a:schemeClr val="tx2"/>
+                </a:solidFill>
+              </a:defRPr>
+            </a:lvl4pPr>
+            <a:lvl5pPr eaLnBrk="1" hangingPunct="1">
+              <a:defRPr>
+                <a:solidFill>
+                  <a:schemeClr val="tx2"/>
+                </a:solidFill>
+              </a:defRPr>
+            </a:lvl5pPr>
+            <a:lvl6pPr eaLnBrk="1" hangingPunct="1">
+              <a:defRPr>
+                <a:solidFill>
+                  <a:schemeClr val="tx2"/>
+                </a:solidFill>
+              </a:defRPr>
+            </a:lvl6pPr>
+            <a:lvl7pPr eaLnBrk="1" hangingPunct="1">
+              <a:defRPr>
+                <a:solidFill>
+                  <a:schemeClr val="tx2"/>
+                </a:solidFill>
+              </a:defRPr>
+            </a:lvl7pPr>
+            <a:lvl8pPr eaLnBrk="1" hangingPunct="1">
+              <a:defRPr>
+                <a:solidFill>
+                  <a:schemeClr val="tx2"/>
+                </a:solidFill>
+              </a:defRPr>
+            </a:lvl8pPr>
+            <a:lvl9pPr eaLnBrk="1" hangingPunct="1">
+              <a:defRPr>
+                <a:solidFill>
+                  <a:schemeClr val="tx2"/>
+                </a:solidFill>
+              </a:defRPr>
+            </a:lvl9pPr>
+          </a:lstStyle>
+          <a:p>
+            <a:r>
+              <a:rPr lang="en-US" sz="2400" dirty="0"/>
+              <a:t>Yearly Drinks per Capita</a:t>
+            </a:r>
+          </a:p>
+        </p:txBody>
+      </p:sp>
+      <p:pic>
+        <p:nvPicPr>
+          <p:cNvPr id="15" name="Picture 14" descr="Chart, line chart&#10;&#10;Description automatically generated">
+            <a:extLst>
+              <a:ext uri="{FF2B5EF4-FFF2-40B4-BE49-F238E27FC236}">
+                <a16:creationId xmlns:a16="http://schemas.microsoft.com/office/drawing/2014/main" id="{93E49FFA-246E-4D38-9BA2-0D90E1D238D5}"/>
+              </a:ext>
+            </a:extLst>
+          </p:cNvPr>
+          <p:cNvPicPr>
+            <a:picLocks noChangeAspect="1"/>
+          </p:cNvPicPr>
+          <p:nvPr/>
+        </p:nvPicPr>
+        <p:blipFill>
+          <a:blip r:embed="rId5"/>
+          <a:stretch>
+            <a:fillRect/>
+          </a:stretch>
+        </p:blipFill>
+        <p:spPr>
+          <a:xfrm>
+            <a:off x="0" y="884306"/>
+            <a:ext cx="5952502" cy="2557875"/>
+          </a:xfrm>
+          <a:prstGeom prst="rect">
+            <a:avLst/>
+          </a:prstGeom>
+        </p:spPr>
+      </p:pic>
+      <p:sp>
+        <p:nvSpPr>
+          <p:cNvPr id="16" name="TextBox 15">
+            <a:extLst>
+              <a:ext uri="{FF2B5EF4-FFF2-40B4-BE49-F238E27FC236}">
+                <a16:creationId xmlns:a16="http://schemas.microsoft.com/office/drawing/2014/main" id="{A59FC85C-A356-4DA6-BB46-A8125D7A30EF}"/>
+              </a:ext>
+            </a:extLst>
+          </p:cNvPr>
+          <p:cNvSpPr txBox="1"/>
+          <p:nvPr/>
+        </p:nvSpPr>
+        <p:spPr>
+          <a:xfrm>
+            <a:off x="11255084" y="5066523"/>
+            <a:ext cx="1262461" cy="369332"/>
+          </a:xfrm>
+          <a:prstGeom prst="rect">
+            <a:avLst/>
+          </a:prstGeom>
+          <a:noFill/>
+        </p:spPr>
+        <p:txBody>
+          <a:bodyPr wrap="square" rtlCol="0">
+            <a:spAutoFit/>
+          </a:bodyPr>
+          <a:lstStyle/>
+          <a:p>
+            <a:r>
+              <a:rPr lang="en-US" dirty="0"/>
+              <a:t>Alabama</a:t>
+            </a:r>
+          </a:p>
+        </p:txBody>
+      </p:sp>
     </p:spTree>
     <p:extLst>
       <p:ext uri="{BB962C8B-B14F-4D97-AF65-F5344CB8AC3E}">
-        <p14:creationId xmlns:p14="http://schemas.microsoft.com/office/powerpoint/2010/main" val="2163790470"/>
+        <p14:creationId xmlns:p14="http://schemas.microsoft.com/office/powerpoint/2010/main" val="211996634"/>
       </p:ext>
     </p:extLst>
   </p:cSld>
@@ -7561,7 +7573,7 @@
           <p:cNvPr id="2" name="Title 1">
             <a:extLst>
               <a:ext uri="{FF2B5EF4-FFF2-40B4-BE49-F238E27FC236}">
-                <a16:creationId xmlns:a16="http://schemas.microsoft.com/office/drawing/2014/main" id="{272DC95D-2010-48F1-B768-E4AE282BC346}"/>
+                <a16:creationId xmlns:a16="http://schemas.microsoft.com/office/drawing/2014/main" id="{C4035AB7-7B6D-4A79-9C4C-AC908A34CA57}"/>
               </a:ext>
             </a:extLst>
           </p:cNvPr>
@@ -7579,17 +7591,17 @@
           <a:p>
             <a:r>
               <a:rPr lang="en-US" dirty="0"/>
-              <a:t>CONCLUSIONS - II</a:t>
+              <a:t>Conclusions I</a:t>
             </a:r>
           </a:p>
         </p:txBody>
       </p:sp>
       <p:pic>
         <p:nvPicPr>
-          <p:cNvPr id="5" name="Content Placeholder 4" descr="Chart, scatter chart&#10;&#10;Description automatically generated">
+          <p:cNvPr id="4" name="Content Placeholder 4" descr="Chart, scatter chart&#10;&#10;Description automatically generated">
             <a:extLst>
               <a:ext uri="{FF2B5EF4-FFF2-40B4-BE49-F238E27FC236}">
-                <a16:creationId xmlns:a16="http://schemas.microsoft.com/office/drawing/2014/main" id="{38D9C281-95B3-4EE5-8A18-FAE5BBEFF628}"/>
+                <a16:creationId xmlns:a16="http://schemas.microsoft.com/office/drawing/2014/main" id="{1BB510E0-FBA2-43A5-A8C0-1C628762C516}"/>
               </a:ext>
             </a:extLst>
           </p:cNvPr>
@@ -7601,72 +7613,15 @@
           </p:nvPr>
         </p:nvPicPr>
         <p:blipFill>
-          <a:blip r:embed="rId3"/>
+          <a:blip r:embed="rId2"/>
           <a:stretch>
             <a:fillRect/>
           </a:stretch>
         </p:blipFill>
         <p:spPr>
           <a:xfrm>
-            <a:off x="4257649" y="2196071"/>
-            <a:ext cx="3675272" cy="2465858"/>
-          </a:xfrm>
-        </p:spPr>
-      </p:pic>
-      <p:pic>
-        <p:nvPicPr>
-          <p:cNvPr id="7" name="Picture 6" descr="Chart, scatter chart&#10;&#10;Description automatically generated">
-            <a:extLst>
-              <a:ext uri="{FF2B5EF4-FFF2-40B4-BE49-F238E27FC236}">
-                <a16:creationId xmlns:a16="http://schemas.microsoft.com/office/drawing/2014/main" id="{E066FCCB-19EC-433C-83CD-149CC7CE9CA5}"/>
-              </a:ext>
-            </a:extLst>
-          </p:cNvPr>
-          <p:cNvPicPr>
-            <a:picLocks noChangeAspect="1"/>
-          </p:cNvPicPr>
-          <p:nvPr/>
-        </p:nvPicPr>
-        <p:blipFill>
-          <a:blip r:embed="rId4"/>
-          <a:stretch>
-            <a:fillRect/>
-          </a:stretch>
-        </p:blipFill>
-        <p:spPr>
-          <a:xfrm>
-            <a:off x="8516729" y="2196071"/>
-            <a:ext cx="3675271" cy="2465858"/>
-          </a:xfrm>
-          <a:prstGeom prst="rect">
-            <a:avLst/>
-          </a:prstGeom>
-        </p:spPr>
-      </p:pic>
-      <p:pic>
-        <p:nvPicPr>
-          <p:cNvPr id="9" name="Picture 8" descr="Chart, scatter chart&#10;&#10;Description automatically generated">
-            <a:extLst>
-              <a:ext uri="{FF2B5EF4-FFF2-40B4-BE49-F238E27FC236}">
-                <a16:creationId xmlns:a16="http://schemas.microsoft.com/office/drawing/2014/main" id="{015BED98-1D2F-4ACA-B1DD-CA612105A2E8}"/>
-              </a:ext>
-            </a:extLst>
-          </p:cNvPr>
-          <p:cNvPicPr>
-            <a:picLocks noChangeAspect="1"/>
-          </p:cNvPicPr>
-          <p:nvPr/>
-        </p:nvPicPr>
-        <p:blipFill>
-          <a:blip r:embed="rId5"/>
-          <a:stretch>
-            <a:fillRect/>
-          </a:stretch>
-        </p:blipFill>
-        <p:spPr>
-          <a:xfrm>
-            <a:off x="0" y="2197030"/>
-            <a:ext cx="3673842" cy="2464899"/>
+            <a:off x="685801" y="2065867"/>
+            <a:ext cx="11203681" cy="3932649"/>
           </a:xfrm>
           <a:prstGeom prst="rect">
             <a:avLst/>
@@ -7676,7 +7631,7 @@
     </p:spTree>
     <p:extLst>
       <p:ext uri="{BB962C8B-B14F-4D97-AF65-F5344CB8AC3E}">
-        <p14:creationId xmlns:p14="http://schemas.microsoft.com/office/powerpoint/2010/main" val="1970223526"/>
+        <p14:creationId xmlns:p14="http://schemas.microsoft.com/office/powerpoint/2010/main" val="2163790470"/>
       </p:ext>
     </p:extLst>
   </p:cSld>
@@ -7708,7 +7663,7 @@
           <p:cNvPr id="2" name="Title 1">
             <a:extLst>
               <a:ext uri="{FF2B5EF4-FFF2-40B4-BE49-F238E27FC236}">
-                <a16:creationId xmlns:a16="http://schemas.microsoft.com/office/drawing/2014/main" id="{42E8B5F1-8B0D-4693-BD30-4D13D5820621}"/>
+                <a16:creationId xmlns:a16="http://schemas.microsoft.com/office/drawing/2014/main" id="{272DC95D-2010-48F1-B768-E4AE282BC346}"/>
               </a:ext>
             </a:extLst>
           </p:cNvPr>
@@ -7726,17 +7681,17 @@
           <a:p>
             <a:r>
               <a:rPr lang="en-US" dirty="0"/>
-              <a:t>CONCLUSIONS - III</a:t>
+              <a:t>CONCLUSIONS - II</a:t>
             </a:r>
           </a:p>
         </p:txBody>
       </p:sp>
       <p:pic>
         <p:nvPicPr>
-          <p:cNvPr id="7" name="Content Placeholder 4" descr="Chart, line chart&#10;&#10;Description automatically generated">
+          <p:cNvPr id="5" name="Content Placeholder 4" descr="Chart, scatter chart&#10;&#10;Description automatically generated">
             <a:extLst>
               <a:ext uri="{FF2B5EF4-FFF2-40B4-BE49-F238E27FC236}">
-                <a16:creationId xmlns:a16="http://schemas.microsoft.com/office/drawing/2014/main" id="{44E3DBA1-82CE-43BF-A61C-F23EEF055E86}"/>
+                <a16:creationId xmlns:a16="http://schemas.microsoft.com/office/drawing/2014/main" id="{38D9C281-95B3-4EE5-8A18-FAE5BBEFF628}"/>
               </a:ext>
             </a:extLst>
           </p:cNvPr>
@@ -7748,60 +7703,82 @@
           </p:nvPr>
         </p:nvPicPr>
         <p:blipFill>
-          <a:blip r:embed="rId2"/>
+          <a:blip r:embed="rId3"/>
           <a:stretch>
             <a:fillRect/>
           </a:stretch>
         </p:blipFill>
         <p:spPr>
           <a:xfrm>
-            <a:off x="1838061" y="1936265"/>
-            <a:ext cx="8515878" cy="3649662"/>
+            <a:off x="4257649" y="2196071"/>
+            <a:ext cx="3675272" cy="2465858"/>
+          </a:xfrm>
+        </p:spPr>
+      </p:pic>
+      <p:pic>
+        <p:nvPicPr>
+          <p:cNvPr id="7" name="Picture 6" descr="Chart, scatter chart&#10;&#10;Description automatically generated">
+            <a:extLst>
+              <a:ext uri="{FF2B5EF4-FFF2-40B4-BE49-F238E27FC236}">
+                <a16:creationId xmlns:a16="http://schemas.microsoft.com/office/drawing/2014/main" id="{E066FCCB-19EC-433C-83CD-149CC7CE9CA5}"/>
+              </a:ext>
+            </a:extLst>
+          </p:cNvPr>
+          <p:cNvPicPr>
+            <a:picLocks noChangeAspect="1"/>
+          </p:cNvPicPr>
+          <p:nvPr/>
+        </p:nvPicPr>
+        <p:blipFill>
+          <a:blip r:embed="rId4"/>
+          <a:stretch>
+            <a:fillRect/>
+          </a:stretch>
+        </p:blipFill>
+        <p:spPr>
+          <a:xfrm>
+            <a:off x="8516729" y="2196071"/>
+            <a:ext cx="3675271" cy="2465858"/>
           </a:xfrm>
           <a:prstGeom prst="rect">
             <a:avLst/>
           </a:prstGeom>
         </p:spPr>
       </p:pic>
-      <p:sp>
-        <p:nvSpPr>
-          <p:cNvPr id="8" name="TextBox 7">
+      <p:pic>
+        <p:nvPicPr>
+          <p:cNvPr id="9" name="Picture 8" descr="Chart, scatter chart&#10;&#10;Description automatically generated">
             <a:extLst>
               <a:ext uri="{FF2B5EF4-FFF2-40B4-BE49-F238E27FC236}">
-                <a16:creationId xmlns:a16="http://schemas.microsoft.com/office/drawing/2014/main" id="{89A2B847-BAE2-4667-B5D3-BF4A243554DB}"/>
+                <a16:creationId xmlns:a16="http://schemas.microsoft.com/office/drawing/2014/main" id="{015BED98-1D2F-4ACA-B1DD-CA612105A2E8}"/>
               </a:ext>
             </a:extLst>
           </p:cNvPr>
-          <p:cNvSpPr txBox="1"/>
+          <p:cNvPicPr>
+            <a:picLocks noChangeAspect="1"/>
+          </p:cNvPicPr>
           <p:nvPr/>
-        </p:nvSpPr>
-        <p:spPr>
-          <a:xfrm>
-            <a:off x="9438724" y="5585927"/>
-            <a:ext cx="1262461" cy="369332"/>
+        </p:nvPicPr>
+        <p:blipFill>
+          <a:blip r:embed="rId5"/>
+          <a:stretch>
+            <a:fillRect/>
+          </a:stretch>
+        </p:blipFill>
+        <p:spPr>
+          <a:xfrm>
+            <a:off x="0" y="2197030"/>
+            <a:ext cx="3673842" cy="2464899"/>
           </a:xfrm>
           <a:prstGeom prst="rect">
             <a:avLst/>
           </a:prstGeom>
-          <a:noFill/>
-        </p:spPr>
-        <p:txBody>
-          <a:bodyPr wrap="square" rtlCol="0">
-            <a:spAutoFit/>
-          </a:bodyPr>
-          <a:lstStyle/>
-          <a:p>
-            <a:r>
-              <a:rPr lang="en-US" dirty="0"/>
-              <a:t>Alabama</a:t>
-            </a:r>
-          </a:p>
-        </p:txBody>
-      </p:sp>
+        </p:spPr>
+      </p:pic>
     </p:spTree>
     <p:extLst>
       <p:ext uri="{BB962C8B-B14F-4D97-AF65-F5344CB8AC3E}">
-        <p14:creationId xmlns:p14="http://schemas.microsoft.com/office/powerpoint/2010/main" val="384488043"/>
+        <p14:creationId xmlns:p14="http://schemas.microsoft.com/office/powerpoint/2010/main" val="1970223526"/>
       </p:ext>
     </p:extLst>
   </p:cSld>
@@ -7833,6 +7810,131 @@
           <p:cNvPr id="2" name="Title 1">
             <a:extLst>
               <a:ext uri="{FF2B5EF4-FFF2-40B4-BE49-F238E27FC236}">
+                <a16:creationId xmlns:a16="http://schemas.microsoft.com/office/drawing/2014/main" id="{42E8B5F1-8B0D-4693-BD30-4D13D5820621}"/>
+              </a:ext>
+            </a:extLst>
+          </p:cNvPr>
+          <p:cNvSpPr>
+            <a:spLocks noGrp="1"/>
+          </p:cNvSpPr>
+          <p:nvPr>
+            <p:ph type="title"/>
+          </p:nvPr>
+        </p:nvSpPr>
+        <p:spPr/>
+        <p:txBody>
+          <a:bodyPr/>
+          <a:lstStyle/>
+          <a:p>
+            <a:r>
+              <a:rPr lang="en-US" dirty="0"/>
+              <a:t>CONCLUSIONS - III</a:t>
+            </a:r>
+          </a:p>
+        </p:txBody>
+      </p:sp>
+      <p:pic>
+        <p:nvPicPr>
+          <p:cNvPr id="7" name="Content Placeholder 4" descr="Chart, line chart&#10;&#10;Description automatically generated">
+            <a:extLst>
+              <a:ext uri="{FF2B5EF4-FFF2-40B4-BE49-F238E27FC236}">
+                <a16:creationId xmlns:a16="http://schemas.microsoft.com/office/drawing/2014/main" id="{44E3DBA1-82CE-43BF-A61C-F23EEF055E86}"/>
+              </a:ext>
+            </a:extLst>
+          </p:cNvPr>
+          <p:cNvPicPr>
+            <a:picLocks noGrp="1" noChangeAspect="1"/>
+          </p:cNvPicPr>
+          <p:nvPr>
+            <p:ph idx="1"/>
+          </p:nvPr>
+        </p:nvPicPr>
+        <p:blipFill>
+          <a:blip r:embed="rId2"/>
+          <a:stretch>
+            <a:fillRect/>
+          </a:stretch>
+        </p:blipFill>
+        <p:spPr>
+          <a:xfrm>
+            <a:off x="1838061" y="1936265"/>
+            <a:ext cx="8515878" cy="3649662"/>
+          </a:xfrm>
+          <a:prstGeom prst="rect">
+            <a:avLst/>
+          </a:prstGeom>
+        </p:spPr>
+      </p:pic>
+      <p:sp>
+        <p:nvSpPr>
+          <p:cNvPr id="8" name="TextBox 7">
+            <a:extLst>
+              <a:ext uri="{FF2B5EF4-FFF2-40B4-BE49-F238E27FC236}">
+                <a16:creationId xmlns:a16="http://schemas.microsoft.com/office/drawing/2014/main" id="{89A2B847-BAE2-4667-B5D3-BF4A243554DB}"/>
+              </a:ext>
+            </a:extLst>
+          </p:cNvPr>
+          <p:cNvSpPr txBox="1"/>
+          <p:nvPr/>
+        </p:nvSpPr>
+        <p:spPr>
+          <a:xfrm>
+            <a:off x="9438724" y="5585927"/>
+            <a:ext cx="1262461" cy="369332"/>
+          </a:xfrm>
+          <a:prstGeom prst="rect">
+            <a:avLst/>
+          </a:prstGeom>
+          <a:noFill/>
+        </p:spPr>
+        <p:txBody>
+          <a:bodyPr wrap="square" rtlCol="0">
+            <a:spAutoFit/>
+          </a:bodyPr>
+          <a:lstStyle/>
+          <a:p>
+            <a:r>
+              <a:rPr lang="en-US" dirty="0"/>
+              <a:t>Alabama</a:t>
+            </a:r>
+          </a:p>
+        </p:txBody>
+      </p:sp>
+    </p:spTree>
+    <p:extLst>
+      <p:ext uri="{BB962C8B-B14F-4D97-AF65-F5344CB8AC3E}">
+        <p14:creationId xmlns:p14="http://schemas.microsoft.com/office/powerpoint/2010/main" val="384488043"/>
+      </p:ext>
+    </p:extLst>
+  </p:cSld>
+  <p:clrMapOvr>
+    <a:masterClrMapping/>
+  </p:clrMapOvr>
+</p:sld>
+</file>
+
+<file path=ppt/slides/slide17.xml><?xml version="1.0" encoding="utf-8"?>
+<p:sld xmlns:a="http://schemas.openxmlformats.org/drawingml/2006/main" xmlns:r="http://schemas.openxmlformats.org/officeDocument/2006/relationships" xmlns:p="http://schemas.openxmlformats.org/presentationml/2006/main">
+  <p:cSld>
+    <p:spTree>
+      <p:nvGrpSpPr>
+        <p:cNvPr id="1" name=""/>
+        <p:cNvGrpSpPr/>
+        <p:nvPr/>
+      </p:nvGrpSpPr>
+      <p:grpSpPr>
+        <a:xfrm>
+          <a:off x="0" y="0"/>
+          <a:ext cx="0" cy="0"/>
+          <a:chOff x="0" y="0"/>
+          <a:chExt cx="0" cy="0"/>
+        </a:xfrm>
+      </p:grpSpPr>
+      <p:sp>
+        <p:nvSpPr>
+          <p:cNvPr id="2" name="Title 1">
+            <a:extLst>
+              <a:ext uri="{FF2B5EF4-FFF2-40B4-BE49-F238E27FC236}">
                 <a16:creationId xmlns:a16="http://schemas.microsoft.com/office/drawing/2014/main" id="{9E34184A-548F-4A6F-99AD-3D865350AAD0}"/>
               </a:ext>
             </a:extLst>
@@ -8063,7 +8165,7 @@
 </p:sld>
 </file>
 
-<file path=ppt/slides/slide17.xml><?xml version="1.0" encoding="utf-8"?>
+<file path=ppt/slides/slide18.xml><?xml version="1.0" encoding="utf-8"?>
 <p:sld xmlns:a="http://schemas.openxmlformats.org/drawingml/2006/main" xmlns:r="http://schemas.openxmlformats.org/officeDocument/2006/relationships" xmlns:p="http://schemas.openxmlformats.org/presentationml/2006/main">
   <p:cSld>
     <p:spTree>
@@ -8432,7 +8534,7 @@
           <p:cNvPr id="2" name="Title 1">
             <a:extLst>
               <a:ext uri="{FF2B5EF4-FFF2-40B4-BE49-F238E27FC236}">
-                <a16:creationId xmlns:a16="http://schemas.microsoft.com/office/drawing/2014/main" id="{DF1987D0-6737-4BB6-B370-22027ECAB4E5}"/>
+                <a16:creationId xmlns:a16="http://schemas.microsoft.com/office/drawing/2014/main" id="{3D2B4421-8268-4547-A47C-7D3D780255C9}"/>
               </a:ext>
             </a:extLst>
           </p:cNvPr>
@@ -8450,7 +8552,7 @@
           <a:p>
             <a:r>
               <a:rPr lang="en-US" dirty="0"/>
-              <a:t>Key Findings</a:t>
+              <a:t>Data SOURCES</a:t>
             </a:r>
           </a:p>
         </p:txBody>
@@ -8460,7 +8562,7 @@
           <p:cNvPr id="3" name="Content Placeholder 2">
             <a:extLst>
               <a:ext uri="{FF2B5EF4-FFF2-40B4-BE49-F238E27FC236}">
-                <a16:creationId xmlns:a16="http://schemas.microsoft.com/office/drawing/2014/main" id="{D3E89A6F-05F2-4DB5-84C5-F18C9757B9B3}"/>
+                <a16:creationId xmlns:a16="http://schemas.microsoft.com/office/drawing/2014/main" id="{467BF88C-8718-4416-954D-72437B0A638A}"/>
               </a:ext>
             </a:extLst>
           </p:cNvPr>
@@ -8473,93 +8575,79 @@
         </p:nvSpPr>
         <p:spPr/>
         <p:txBody>
-          <a:bodyPr>
-            <a:normAutofit fontScale="92500" lnSpcReduction="10000"/>
-          </a:bodyPr>
-          <a:lstStyle/>
-          <a:p>
-            <a:r>
-              <a:rPr lang="en-US" dirty="0"/>
-              <a:t>The data shows that while alcohol consumption varies slightly by state, it does so to a lesser degree than do taxes and fees on alcohol products, and does not bear a strong correlation to either fees or taxes on the same</a:t>
-            </a:r>
-          </a:p>
-          <a:p>
-            <a:r>
-              <a:rPr lang="en-US" dirty="0"/>
-              <a:t>Methods of data analysis and visualization:</a:t>
-            </a:r>
-          </a:p>
-          <a:p>
-            <a:pPr lvl="1"/>
+          <a:bodyPr/>
+          <a:lstStyle/>
+          <a:p>
+            <a:r>
+              <a:rPr lang="en-US" dirty="0"/>
+              <a:t>Alcohol Policy Information System - </a:t>
+            </a:r>
+            <a:r>
+              <a:rPr lang="en-US" dirty="0">
+                <a:hlinkClick r:id="rId2"/>
+              </a:rPr>
+              <a:t>https://alcoholpolicy.niaaa.nih.gov/</a:t>
+            </a:r>
+            <a:endParaRPr lang="en-US" dirty="0"/>
+          </a:p>
+          <a:p>
+            <a:r>
+              <a:rPr lang="en-US" dirty="0"/>
+              <a:t>Ballotpedia - </a:t>
+            </a:r>
+            <a:r>
+              <a:rPr lang="en-US" dirty="0">
+                <a:hlinkClick r:id="rId3"/>
+              </a:rPr>
+              <a:t>https://ballotpedia.org/</a:t>
+            </a:r>
+            <a:endParaRPr lang="en-US" dirty="0"/>
+          </a:p>
+          <a:p>
             <a:r>
               <a:rPr lang="en-US" dirty="0" err="1"/>
-              <a:t>Hvplots</a:t>
+              <a:t>openICPSR</a:t>
+            </a:r>
+            <a:r>
+              <a:rPr lang="en-US" dirty="0"/>
+              <a:t> - </a:t>
+            </a:r>
+            <a:r>
+              <a:rPr lang="en-US" dirty="0">
+                <a:hlinkClick r:id="rId4"/>
+              </a:rPr>
+              <a:t>https://www.openicpsr.org/openicpsr/</a:t>
             </a:r>
             <a:endParaRPr lang="en-US" dirty="0"/>
           </a:p>
           <a:p>
-            <a:pPr lvl="2"/>
-            <a:r>
-              <a:rPr lang="en-US" dirty="0"/>
-              <a:t>Scatter</a:t>
-            </a:r>
-          </a:p>
-          <a:p>
-            <a:pPr lvl="2"/>
-            <a:r>
-              <a:rPr lang="en-US" dirty="0"/>
-              <a:t>Line</a:t>
-            </a:r>
-          </a:p>
-          <a:p>
-            <a:pPr lvl="2"/>
-            <a:r>
-              <a:rPr lang="en-US" dirty="0"/>
-              <a:t>Stacked Bar</a:t>
-            </a:r>
-          </a:p>
-          <a:p>
-            <a:pPr lvl="1"/>
             <a:r>
               <a:rPr lang="en-US" dirty="0" err="1"/>
-              <a:t>Mapbox</a:t>
-            </a:r>
-            <a:r>
-              <a:rPr lang="en-US" dirty="0"/>
-              <a:t> plot</a:t>
-            </a:r>
-          </a:p>
-          <a:p>
-            <a:pPr lvl="1"/>
-            <a:r>
-              <a:rPr lang="en-US" dirty="0"/>
-              <a:t>Summary statistics</a:t>
-            </a:r>
-          </a:p>
-          <a:p>
-            <a:pPr lvl="1"/>
-            <a:r>
-              <a:rPr lang="en-US" dirty="0"/>
-              <a:t>Seaborn (</a:t>
-            </a:r>
-            <a:r>
-              <a:rPr lang="en-US" dirty="0" err="1"/>
-              <a:t>lmplot</a:t>
-            </a:r>
-            <a:r>
-              <a:rPr lang="en-US" dirty="0"/>
-              <a:t>)</a:t>
-            </a:r>
-          </a:p>
-          <a:p>
-            <a:pPr lvl="2"/>
-            <a:r>
-              <a:rPr lang="en-US" dirty="0"/>
-              <a:t>Correlation</a:t>
-            </a:r>
-          </a:p>
-          <a:p>
-            <a:pPr lvl="2"/>
+              <a:t>LatLong</a:t>
+            </a:r>
+            <a:r>
+              <a:rPr lang="en-US" dirty="0"/>
+              <a:t> - </a:t>
+            </a:r>
+            <a:r>
+              <a:rPr lang="en-US" dirty="0">
+                <a:hlinkClick r:id="rId5"/>
+              </a:rPr>
+              <a:t>https://www.latlong.net/</a:t>
+            </a:r>
+            <a:endParaRPr lang="en-US" dirty="0"/>
+          </a:p>
+          <a:p>
+            <a:r>
+              <a:rPr lang="en-US" dirty="0"/>
+              <a:t>Kaggle - </a:t>
+            </a:r>
+            <a:r>
+              <a:rPr lang="en-US" dirty="0">
+                <a:hlinkClick r:id="rId6"/>
+              </a:rPr>
+              <a:t>https://www.kaggle.com/</a:t>
+            </a:r>
             <a:endParaRPr lang="en-US" dirty="0"/>
           </a:p>
         </p:txBody>
@@ -8567,7 +8655,7 @@
     </p:spTree>
     <p:extLst>
       <p:ext uri="{BB962C8B-B14F-4D97-AF65-F5344CB8AC3E}">
-        <p14:creationId xmlns:p14="http://schemas.microsoft.com/office/powerpoint/2010/main" val="3912371522"/>
+        <p14:creationId xmlns:p14="http://schemas.microsoft.com/office/powerpoint/2010/main" val="2181203524"/>
       </p:ext>
     </p:extLst>
   </p:cSld>
@@ -8599,7 +8687,7 @@
           <p:cNvPr id="2" name="Title 1">
             <a:extLst>
               <a:ext uri="{FF2B5EF4-FFF2-40B4-BE49-F238E27FC236}">
-                <a16:creationId xmlns:a16="http://schemas.microsoft.com/office/drawing/2014/main" id="{4C025449-2DE2-4839-A756-6C33BF595874}"/>
+                <a16:creationId xmlns:a16="http://schemas.microsoft.com/office/drawing/2014/main" id="{DF1987D0-6737-4BB6-B370-22027ECAB4E5}"/>
               </a:ext>
             </a:extLst>
           </p:cNvPr>
@@ -8617,44 +8705,124 @@
           <a:p>
             <a:r>
               <a:rPr lang="en-US" dirty="0"/>
-              <a:t>Data cleansing</a:t>
-            </a:r>
-          </a:p>
-        </p:txBody>
-      </p:sp>
-      <p:pic>
-        <p:nvPicPr>
-          <p:cNvPr id="5" name="Content Placeholder 4" descr="A picture containing text, computer&#10;&#10;Description automatically generated">
+              <a:t>Key Findings</a:t>
+            </a:r>
+          </a:p>
+        </p:txBody>
+      </p:sp>
+      <p:sp>
+        <p:nvSpPr>
+          <p:cNvPr id="3" name="Content Placeholder 2">
             <a:extLst>
               <a:ext uri="{FF2B5EF4-FFF2-40B4-BE49-F238E27FC236}">
-                <a16:creationId xmlns:a16="http://schemas.microsoft.com/office/drawing/2014/main" id="{A0BFD8B0-8DCA-4FAA-9231-425C887517B3}"/>
+                <a16:creationId xmlns:a16="http://schemas.microsoft.com/office/drawing/2014/main" id="{D3E89A6F-05F2-4DB5-84C5-F18C9757B9B3}"/>
               </a:ext>
             </a:extLst>
           </p:cNvPr>
-          <p:cNvPicPr>
-            <a:picLocks noGrp="1" noChangeAspect="1"/>
-          </p:cNvPicPr>
+          <p:cNvSpPr>
+            <a:spLocks noGrp="1"/>
+          </p:cNvSpPr>
           <p:nvPr>
             <p:ph idx="1"/>
           </p:nvPr>
-        </p:nvPicPr>
-        <p:blipFill>
-          <a:blip r:embed="rId2"/>
-          <a:stretch>
-            <a:fillRect/>
-          </a:stretch>
-        </p:blipFill>
-        <p:spPr>
-          <a:xfrm>
-            <a:off x="2607488" y="2141538"/>
-            <a:ext cx="6288049" cy="3649662"/>
-          </a:xfrm>
-        </p:spPr>
-      </p:pic>
+        </p:nvSpPr>
+        <p:spPr/>
+        <p:txBody>
+          <a:bodyPr>
+            <a:normAutofit fontScale="92500" lnSpcReduction="10000"/>
+          </a:bodyPr>
+          <a:lstStyle/>
+          <a:p>
+            <a:r>
+              <a:rPr lang="en-US" dirty="0"/>
+              <a:t>The data shows that while alcohol consumption varies slightly by state, it does so to a lesser degree than do taxes and fees on alcohol products, and does not bear a strong correlation to either fees or taxes on the same</a:t>
+            </a:r>
+          </a:p>
+          <a:p>
+            <a:r>
+              <a:rPr lang="en-US" dirty="0"/>
+              <a:t>Methods of data analysis and visualization:</a:t>
+            </a:r>
+          </a:p>
+          <a:p>
+            <a:pPr lvl="1"/>
+            <a:r>
+              <a:rPr lang="en-US" dirty="0" err="1"/>
+              <a:t>Hvplots</a:t>
+            </a:r>
+            <a:endParaRPr lang="en-US" dirty="0"/>
+          </a:p>
+          <a:p>
+            <a:pPr lvl="2"/>
+            <a:r>
+              <a:rPr lang="en-US" dirty="0"/>
+              <a:t>Scatter</a:t>
+            </a:r>
+          </a:p>
+          <a:p>
+            <a:pPr lvl="2"/>
+            <a:r>
+              <a:rPr lang="en-US" dirty="0"/>
+              <a:t>Line</a:t>
+            </a:r>
+          </a:p>
+          <a:p>
+            <a:pPr lvl="2"/>
+            <a:r>
+              <a:rPr lang="en-US" dirty="0"/>
+              <a:t>Stacked Bar</a:t>
+            </a:r>
+          </a:p>
+          <a:p>
+            <a:pPr lvl="1"/>
+            <a:r>
+              <a:rPr lang="en-US" dirty="0" err="1"/>
+              <a:t>Mapbox</a:t>
+            </a:r>
+            <a:r>
+              <a:rPr lang="en-US" dirty="0"/>
+              <a:t> plot</a:t>
+            </a:r>
+          </a:p>
+          <a:p>
+            <a:pPr lvl="1"/>
+            <a:r>
+              <a:rPr lang="en-US" dirty="0"/>
+              <a:t>Summary statistics</a:t>
+            </a:r>
+          </a:p>
+          <a:p>
+            <a:pPr lvl="1"/>
+            <a:r>
+              <a:rPr lang="en-US" dirty="0"/>
+              <a:t>Seaborn (</a:t>
+            </a:r>
+            <a:r>
+              <a:rPr lang="en-US" dirty="0" err="1"/>
+              <a:t>lmplot</a:t>
+            </a:r>
+            <a:r>
+              <a:rPr lang="en-US" dirty="0"/>
+              <a:t>)</a:t>
+            </a:r>
+          </a:p>
+          <a:p>
+            <a:pPr lvl="2"/>
+            <a:r>
+              <a:rPr lang="en-US" dirty="0"/>
+              <a:t>Correlation</a:t>
+            </a:r>
+          </a:p>
+          <a:p>
+            <a:pPr lvl="2"/>
+            <a:endParaRPr lang="en-US" dirty="0"/>
+          </a:p>
+        </p:txBody>
+      </p:sp>
     </p:spTree>
     <p:extLst>
       <p:ext uri="{BB962C8B-B14F-4D97-AF65-F5344CB8AC3E}">
-        <p14:creationId xmlns:p14="http://schemas.microsoft.com/office/powerpoint/2010/main" val="3169051835"/>
+        <p14:creationId xmlns:p14="http://schemas.microsoft.com/office/powerpoint/2010/main" val="3912371522"/>
       </p:ext>
     </p:extLst>
   </p:cSld>
@@ -8686,7 +8854,7 @@
           <p:cNvPr id="2" name="Title 1">
             <a:extLst>
               <a:ext uri="{FF2B5EF4-FFF2-40B4-BE49-F238E27FC236}">
-                <a16:creationId xmlns:a16="http://schemas.microsoft.com/office/drawing/2014/main" id="{8098BD61-C61C-4A7B-9760-77050FE1AC78}"/>
+                <a16:creationId xmlns:a16="http://schemas.microsoft.com/office/drawing/2014/main" id="{4C025449-2DE2-4839-A756-6C33BF595874}"/>
               </a:ext>
             </a:extLst>
           </p:cNvPr>
@@ -8704,17 +8872,17 @@
           <a:p>
             <a:r>
               <a:rPr lang="en-US" dirty="0"/>
-              <a:t>Data Cleansing I </a:t>
+              <a:t>Data cleansing</a:t>
             </a:r>
           </a:p>
         </p:txBody>
       </p:sp>
       <p:pic>
         <p:nvPicPr>
-          <p:cNvPr id="5" name="Content Placeholder 4" descr="Text&#10;&#10;Description automatically generated">
+          <p:cNvPr id="5" name="Content Placeholder 4" descr="A picture containing text, computer&#10;&#10;Description automatically generated">
             <a:extLst>
               <a:ext uri="{FF2B5EF4-FFF2-40B4-BE49-F238E27FC236}">
-                <a16:creationId xmlns:a16="http://schemas.microsoft.com/office/drawing/2014/main" id="{6F23405B-F56F-4440-96D4-3BBA56C3EE09}"/>
+                <a16:creationId xmlns:a16="http://schemas.microsoft.com/office/drawing/2014/main" id="{A0BFD8B0-8DCA-4FAA-9231-425C887517B3}"/>
               </a:ext>
             </a:extLst>
           </p:cNvPr>
@@ -8733,15 +8901,15 @@
         </p:blipFill>
         <p:spPr>
           <a:xfrm>
-            <a:off x="2126630" y="2141538"/>
-            <a:ext cx="7249764" cy="3649662"/>
+            <a:off x="2607488" y="2141538"/>
+            <a:ext cx="6288049" cy="3649662"/>
           </a:xfrm>
         </p:spPr>
       </p:pic>
     </p:spTree>
     <p:extLst>
       <p:ext uri="{BB962C8B-B14F-4D97-AF65-F5344CB8AC3E}">
-        <p14:creationId xmlns:p14="http://schemas.microsoft.com/office/powerpoint/2010/main" val="4274955035"/>
+        <p14:creationId xmlns:p14="http://schemas.microsoft.com/office/powerpoint/2010/main" val="3169051835"/>
       </p:ext>
     </p:extLst>
   </p:cSld>
@@ -8773,7 +8941,7 @@
           <p:cNvPr id="2" name="Title 1">
             <a:extLst>
               <a:ext uri="{FF2B5EF4-FFF2-40B4-BE49-F238E27FC236}">
-                <a16:creationId xmlns:a16="http://schemas.microsoft.com/office/drawing/2014/main" id="{FE0BF73C-CF9F-48B7-8216-147EF400B9DD}"/>
+                <a16:creationId xmlns:a16="http://schemas.microsoft.com/office/drawing/2014/main" id="{8098BD61-C61C-4A7B-9760-77050FE1AC78}"/>
               </a:ext>
             </a:extLst>
           </p:cNvPr>
@@ -8791,17 +8959,17 @@
           <a:p>
             <a:r>
               <a:rPr lang="en-US" dirty="0"/>
-              <a:t>Data Cleansing II</a:t>
+              <a:t>Data Cleansing I </a:t>
             </a:r>
           </a:p>
         </p:txBody>
       </p:sp>
       <p:pic>
         <p:nvPicPr>
-          <p:cNvPr id="5" name="Content Placeholder 4" descr="A screenshot of a computer&#10;&#10;Description automatically generated with medium confidence">
+          <p:cNvPr id="5" name="Content Placeholder 4" descr="Text&#10;&#10;Description automatically generated">
             <a:extLst>
               <a:ext uri="{FF2B5EF4-FFF2-40B4-BE49-F238E27FC236}">
-                <a16:creationId xmlns:a16="http://schemas.microsoft.com/office/drawing/2014/main" id="{7DAF9D35-9A65-4FA3-A9F4-40730F5C8ABB}"/>
+                <a16:creationId xmlns:a16="http://schemas.microsoft.com/office/drawing/2014/main" id="{6F23405B-F56F-4440-96D4-3BBA56C3EE09}"/>
               </a:ext>
             </a:extLst>
           </p:cNvPr>
@@ -8820,15 +8988,15 @@
         </p:blipFill>
         <p:spPr>
           <a:xfrm>
-            <a:off x="2479279" y="2141538"/>
-            <a:ext cx="6544467" cy="3649662"/>
+            <a:off x="2126630" y="2141538"/>
+            <a:ext cx="7249764" cy="3649662"/>
           </a:xfrm>
         </p:spPr>
       </p:pic>
     </p:spTree>
     <p:extLst>
       <p:ext uri="{BB962C8B-B14F-4D97-AF65-F5344CB8AC3E}">
-        <p14:creationId xmlns:p14="http://schemas.microsoft.com/office/powerpoint/2010/main" val="496370737"/>
+        <p14:creationId xmlns:p14="http://schemas.microsoft.com/office/powerpoint/2010/main" val="4274955035"/>
       </p:ext>
     </p:extLst>
   </p:cSld>
@@ -8860,7 +9028,7 @@
           <p:cNvPr id="2" name="Title 1">
             <a:extLst>
               <a:ext uri="{FF2B5EF4-FFF2-40B4-BE49-F238E27FC236}">
-                <a16:creationId xmlns:a16="http://schemas.microsoft.com/office/drawing/2014/main" id="{1AF40727-76FB-40C4-904E-0C493DA6891C}"/>
+                <a16:creationId xmlns:a16="http://schemas.microsoft.com/office/drawing/2014/main" id="{FE0BF73C-CF9F-48B7-8216-147EF400B9DD}"/>
               </a:ext>
             </a:extLst>
           </p:cNvPr>
@@ -8877,22 +9045,18 @@
           <a:lstStyle/>
           <a:p>
             <a:r>
-              <a:rPr lang="en-US" dirty="0" err="1"/>
-              <a:t>BeautifulSoup</a:t>
-            </a:r>
-            <a:r>
-              <a:rPr lang="en-US" dirty="0"/>
-              <a:t> Library</a:t>
+              <a:rPr lang="en-US" dirty="0"/>
+              <a:t>Data Cleansing II</a:t>
             </a:r>
           </a:p>
         </p:txBody>
       </p:sp>
       <p:pic>
         <p:nvPicPr>
-          <p:cNvPr id="5" name="Content Placeholder 4" descr="Text&#10;&#10;Description automatically generated">
+          <p:cNvPr id="5" name="Content Placeholder 4" descr="A screenshot of a computer&#10;&#10;Description automatically generated with medium confidence">
             <a:extLst>
               <a:ext uri="{FF2B5EF4-FFF2-40B4-BE49-F238E27FC236}">
-                <a16:creationId xmlns:a16="http://schemas.microsoft.com/office/drawing/2014/main" id="{64E1D3FA-7340-4D5C-8379-34E42B89B5D8}"/>
+                <a16:creationId xmlns:a16="http://schemas.microsoft.com/office/drawing/2014/main" id="{7DAF9D35-9A65-4FA3-A9F4-40730F5C8ABB}"/>
               </a:ext>
             </a:extLst>
           </p:cNvPr>
@@ -8911,15 +9075,15 @@
         </p:blipFill>
         <p:spPr>
           <a:xfrm>
-            <a:off x="1868850" y="1973587"/>
-            <a:ext cx="7765325" cy="3649662"/>
+            <a:off x="2479279" y="2141538"/>
+            <a:ext cx="6544467" cy="3649662"/>
           </a:xfrm>
         </p:spPr>
       </p:pic>
     </p:spTree>
     <p:extLst>
       <p:ext uri="{BB962C8B-B14F-4D97-AF65-F5344CB8AC3E}">
-        <p14:creationId xmlns:p14="http://schemas.microsoft.com/office/powerpoint/2010/main" val="149754746"/>
+        <p14:creationId xmlns:p14="http://schemas.microsoft.com/office/powerpoint/2010/main" val="496370737"/>
       </p:ext>
     </p:extLst>
   </p:cSld>
@@ -8951,7 +9115,7 @@
           <p:cNvPr id="2" name="Title 1">
             <a:extLst>
               <a:ext uri="{FF2B5EF4-FFF2-40B4-BE49-F238E27FC236}">
-                <a16:creationId xmlns:a16="http://schemas.microsoft.com/office/drawing/2014/main" id="{F1F774B2-CF2E-4373-8A72-6888C1AD42A2}"/>
+                <a16:creationId xmlns:a16="http://schemas.microsoft.com/office/drawing/2014/main" id="{1AF40727-76FB-40C4-904E-0C493DA6891C}"/>
               </a:ext>
             </a:extLst>
           </p:cNvPr>
@@ -8969,26 +9133,21 @@
           <a:p>
             <a:r>
               <a:rPr lang="en-US" dirty="0" err="1"/>
-              <a:t>Mapbox</a:t>
-            </a:r>
-            <a:r>
-              <a:rPr lang="en-US" dirty="0"/>
-              <a:t> </a:t>
-            </a:r>
-            <a:r>
-              <a:rPr lang="en-US" dirty="0" err="1"/>
-              <a:t>api</a:t>
-            </a:r>
-            <a:endParaRPr lang="en-US" dirty="0"/>
+              <a:t>BeautifulSoup</a:t>
+            </a:r>
+            <a:r>
+              <a:rPr lang="en-US" dirty="0"/>
+              <a:t> Library</a:t>
+            </a:r>
           </a:p>
         </p:txBody>
       </p:sp>
       <p:pic>
         <p:nvPicPr>
-          <p:cNvPr id="5" name="Content Placeholder 4" descr="Graphical user interface&#10;&#10;Description automatically generated with medium confidence">
+          <p:cNvPr id="5" name="Content Placeholder 4" descr="Text&#10;&#10;Description automatically generated">
             <a:extLst>
               <a:ext uri="{FF2B5EF4-FFF2-40B4-BE49-F238E27FC236}">
-                <a16:creationId xmlns:a16="http://schemas.microsoft.com/office/drawing/2014/main" id="{82ECD86E-4CB9-43C2-AC3C-E1875892D008}"/>
+                <a16:creationId xmlns:a16="http://schemas.microsoft.com/office/drawing/2014/main" id="{64E1D3FA-7340-4D5C-8379-34E42B89B5D8}"/>
               </a:ext>
             </a:extLst>
           </p:cNvPr>
@@ -9007,15 +9166,15 @@
         </p:blipFill>
         <p:spPr>
           <a:xfrm>
-            <a:off x="2148474" y="1786972"/>
-            <a:ext cx="7895052" cy="4183737"/>
+            <a:off x="1868850" y="1973587"/>
+            <a:ext cx="7765325" cy="3649662"/>
           </a:xfrm>
         </p:spPr>
       </p:pic>
     </p:spTree>
     <p:extLst>
       <p:ext uri="{BB962C8B-B14F-4D97-AF65-F5344CB8AC3E}">
-        <p14:creationId xmlns:p14="http://schemas.microsoft.com/office/powerpoint/2010/main" val="784808785"/>
+        <p14:creationId xmlns:p14="http://schemas.microsoft.com/office/powerpoint/2010/main" val="149754746"/>
       </p:ext>
     </p:extLst>
   </p:cSld>

--- a/FintechProject1Presentation.pptx
+++ b/FintechProject1Presentation.pptx
@@ -826,7 +826,10 @@
           <a:bodyPr/>
           <a:lstStyle/>
           <a:p>
-            <a:endParaRPr lang="en-US" dirty="0"/>
+            <a:r>
+              <a:rPr lang="en-US" dirty="0"/>
+              <a:t>Low correlation if any</a:t>
+            </a:r>
           </a:p>
         </p:txBody>
       </p:sp>
@@ -910,7 +913,97 @@
           <a:bodyPr/>
           <a:lstStyle/>
           <a:p>
-            <a:endParaRPr lang="en-US" dirty="0"/>
+            <a:r>
+              <a:rPr lang="en-US" dirty="0"/>
+              <a:t>Drinks per capita move inline with income per capita</a:t>
+            </a:r>
+          </a:p>
+        </p:txBody>
+      </p:sp>
+      <p:sp>
+        <p:nvSpPr>
+          <p:cNvPr id="4" name="Slide Number Placeholder 3"/>
+          <p:cNvSpPr>
+            <a:spLocks noGrp="1"/>
+          </p:cNvSpPr>
+          <p:nvPr>
+            <p:ph type="sldNum" sz="quarter" idx="5"/>
+          </p:nvPr>
+        </p:nvSpPr>
+        <p:spPr/>
+        <p:txBody>
+          <a:bodyPr/>
+          <a:lstStyle/>
+          <a:p>
+            <a:fld id="{C9EB1241-A6C7-4768-9A9E-7170091155B9}" type="slidenum">
+              <a:rPr lang="en-US" smtClean="0"/>
+              <a:t>16</a:t>
+            </a:fld>
+            <a:endParaRPr lang="en-US"/>
+          </a:p>
+        </p:txBody>
+      </p:sp>
+    </p:spTree>
+    <p:extLst>
+      <p:ext uri="{BB962C8B-B14F-4D97-AF65-F5344CB8AC3E}">
+        <p14:creationId xmlns:p14="http://schemas.microsoft.com/office/powerpoint/2010/main" val="1098255625"/>
+      </p:ext>
+    </p:extLst>
+  </p:cSld>
+  <p:clrMapOvr>
+    <a:masterClrMapping/>
+  </p:clrMapOvr>
+</p:notes>
+</file>
+
+<file path=ppt/notesSlides/notesSlide6.xml><?xml version="1.0" encoding="utf-8"?>
+<p:notes xmlns:a="http://schemas.openxmlformats.org/drawingml/2006/main" xmlns:r="http://schemas.openxmlformats.org/officeDocument/2006/relationships" xmlns:p="http://schemas.openxmlformats.org/presentationml/2006/main">
+  <p:cSld>
+    <p:spTree>
+      <p:nvGrpSpPr>
+        <p:cNvPr id="1" name=""/>
+        <p:cNvGrpSpPr/>
+        <p:nvPr/>
+      </p:nvGrpSpPr>
+      <p:grpSpPr>
+        <a:xfrm>
+          <a:off x="0" y="0"/>
+          <a:ext cx="0" cy="0"/>
+          <a:chOff x="0" y="0"/>
+          <a:chExt cx="0" cy="0"/>
+        </a:xfrm>
+      </p:grpSpPr>
+      <p:sp>
+        <p:nvSpPr>
+          <p:cNvPr id="2" name="Slide Image Placeholder 1"/>
+          <p:cNvSpPr>
+            <a:spLocks noGrp="1" noRot="1" noChangeAspect="1"/>
+          </p:cNvSpPr>
+          <p:nvPr>
+            <p:ph type="sldImg"/>
+          </p:nvPr>
+        </p:nvSpPr>
+        <p:spPr/>
+      </p:sp>
+      <p:sp>
+        <p:nvSpPr>
+          <p:cNvPr id="3" name="Notes Placeholder 2"/>
+          <p:cNvSpPr>
+            <a:spLocks noGrp="1"/>
+          </p:cNvSpPr>
+          <p:nvPr>
+            <p:ph type="body" idx="1"/>
+          </p:nvPr>
+        </p:nvSpPr>
+        <p:spPr/>
+        <p:txBody>
+          <a:bodyPr/>
+          <a:lstStyle/>
+          <a:p>
+            <a:r>
+              <a:rPr lang="en-US" dirty="0"/>
+              <a:t>Outliers in trend</a:t>
+            </a:r>
           </a:p>
         </p:txBody>
       </p:sp>
@@ -6659,7 +6752,7 @@
         <p:spPr/>
         <p:txBody>
           <a:bodyPr>
-            <a:normAutofit fontScale="47500" lnSpcReduction="20000"/>
+            <a:normAutofit fontScale="70000" lnSpcReduction="20000"/>
           </a:bodyPr>
           <a:lstStyle/>
           <a:p>
@@ -6705,16 +6798,10 @@
               <a:t> </a:t>
             </a:r>
             <a:r>
-              <a:rPr lang="en-US" dirty="0" err="1"/>
+              <a:rPr lang="en-US"/>
               <a:t>Krasniqi</a:t>
             </a:r>
             <a:endParaRPr lang="en-US" dirty="0"/>
-          </a:p>
-          <a:p>
-            <a:r>
-              <a:rPr lang="en-US" dirty="0"/>
-              <a:t>Menes Muhammad</a:t>
-            </a:r>
           </a:p>
         </p:txBody>
       </p:sp>
@@ -7850,7 +7937,7 @@
           </p:nvPr>
         </p:nvPicPr>
         <p:blipFill>
-          <a:blip r:embed="rId2"/>
+          <a:blip r:embed="rId3"/>
           <a:stretch>
             <a:fillRect/>
           </a:stretch>

--- a/FintechProject1Presentation.pptx
+++ b/FintechProject1Presentation.pptx
@@ -6752,7 +6752,7 @@
         <p:spPr/>
         <p:txBody>
           <a:bodyPr>
-            <a:normAutofit fontScale="70000" lnSpcReduction="20000"/>
+            <a:normAutofit fontScale="47500" lnSpcReduction="20000"/>
           </a:bodyPr>
           <a:lstStyle/>
           <a:p>
@@ -6798,10 +6798,16 @@
               <a:t> </a:t>
             </a:r>
             <a:r>
-              <a:rPr lang="en-US"/>
+              <a:rPr lang="en-US" dirty="0" err="1"/>
               <a:t>Krasniqi</a:t>
             </a:r>
             <a:endParaRPr lang="en-US" dirty="0"/>
+          </a:p>
+          <a:p>
+            <a:r>
+              <a:rPr lang="en-US" dirty="0"/>
+              <a:t>Menes Muhammad</a:t>
+            </a:r>
           </a:p>
         </p:txBody>
       </p:sp>
